--- a/RA-L/pictures/pdf/IntroSwarmPic.pptx
+++ b/RA-L/pictures/pdf/IntroSwarmPic.pptx
@@ -288,7 +288,7 @@
           <a:p>
             <a:fld id="{05487026-7C3F-E447-98E7-AF520D29232F}" type="datetimeFigureOut">
               <a:rPr lang="en-US" smtClean="0"/>
-              <a:t>1/28/16</a:t>
+              <a:t>8/26/16</a:t>
             </a:fld>
             <a:endParaRPr lang="en-US"/>
           </a:p>
@@ -458,7 +458,7 @@
           <a:p>
             <a:fld id="{05487026-7C3F-E447-98E7-AF520D29232F}" type="datetimeFigureOut">
               <a:rPr lang="en-US" smtClean="0"/>
-              <a:t>1/28/16</a:t>
+              <a:t>8/26/16</a:t>
             </a:fld>
             <a:endParaRPr lang="en-US"/>
           </a:p>
@@ -638,7 +638,7 @@
           <a:p>
             <a:fld id="{05487026-7C3F-E447-98E7-AF520D29232F}" type="datetimeFigureOut">
               <a:rPr lang="en-US" smtClean="0"/>
-              <a:t>1/28/16</a:t>
+              <a:t>8/26/16</a:t>
             </a:fld>
             <a:endParaRPr lang="en-US"/>
           </a:p>
@@ -808,7 +808,7 @@
           <a:p>
             <a:fld id="{05487026-7C3F-E447-98E7-AF520D29232F}" type="datetimeFigureOut">
               <a:rPr lang="en-US" smtClean="0"/>
-              <a:t>1/28/16</a:t>
+              <a:t>8/26/16</a:t>
             </a:fld>
             <a:endParaRPr lang="en-US"/>
           </a:p>
@@ -1054,7 +1054,7 @@
           <a:p>
             <a:fld id="{05487026-7C3F-E447-98E7-AF520D29232F}" type="datetimeFigureOut">
               <a:rPr lang="en-US" smtClean="0"/>
-              <a:t>1/28/16</a:t>
+              <a:t>8/26/16</a:t>
             </a:fld>
             <a:endParaRPr lang="en-US"/>
           </a:p>
@@ -1342,7 +1342,7 @@
           <a:p>
             <a:fld id="{05487026-7C3F-E447-98E7-AF520D29232F}" type="datetimeFigureOut">
               <a:rPr lang="en-US" smtClean="0"/>
-              <a:t>1/28/16</a:t>
+              <a:t>8/26/16</a:t>
             </a:fld>
             <a:endParaRPr lang="en-US"/>
           </a:p>
@@ -1769,7 +1769,7 @@
           <a:p>
             <a:fld id="{05487026-7C3F-E447-98E7-AF520D29232F}" type="datetimeFigureOut">
               <a:rPr lang="en-US" smtClean="0"/>
-              <a:t>1/28/16</a:t>
+              <a:t>8/26/16</a:t>
             </a:fld>
             <a:endParaRPr lang="en-US"/>
           </a:p>
@@ -1887,7 +1887,7 @@
           <a:p>
             <a:fld id="{05487026-7C3F-E447-98E7-AF520D29232F}" type="datetimeFigureOut">
               <a:rPr lang="en-US" smtClean="0"/>
-              <a:t>1/28/16</a:t>
+              <a:t>8/26/16</a:t>
             </a:fld>
             <a:endParaRPr lang="en-US"/>
           </a:p>
@@ -1982,7 +1982,7 @@
           <a:p>
             <a:fld id="{05487026-7C3F-E447-98E7-AF520D29232F}" type="datetimeFigureOut">
               <a:rPr lang="en-US" smtClean="0"/>
-              <a:t>1/28/16</a:t>
+              <a:t>8/26/16</a:t>
             </a:fld>
             <a:endParaRPr lang="en-US"/>
           </a:p>
@@ -2259,7 +2259,7 @@
           <a:p>
             <a:fld id="{05487026-7C3F-E447-98E7-AF520D29232F}" type="datetimeFigureOut">
               <a:rPr lang="en-US" smtClean="0"/>
-              <a:t>1/28/16</a:t>
+              <a:t>8/26/16</a:t>
             </a:fld>
             <a:endParaRPr lang="en-US"/>
           </a:p>
@@ -2512,7 +2512,7 @@
           <a:p>
             <a:fld id="{05487026-7C3F-E447-98E7-AF520D29232F}" type="datetimeFigureOut">
               <a:rPr lang="en-US" smtClean="0"/>
-              <a:t>1/28/16</a:t>
+              <a:t>8/26/16</a:t>
             </a:fld>
             <a:endParaRPr lang="en-US"/>
           </a:p>
@@ -2725,7 +2725,7 @@
           <a:p>
             <a:fld id="{05487026-7C3F-E447-98E7-AF520D29232F}" type="datetimeFigureOut">
               <a:rPr lang="en-US" smtClean="0"/>
-              <a:t>1/28/16</a:t>
+              <a:t>8/26/16</a:t>
             </a:fld>
             <a:endParaRPr lang="en-US"/>
           </a:p>
@@ -3102,7 +3102,7 @@
       </p:grpSpPr>
       <p:pic>
         <p:nvPicPr>
-          <p:cNvPr id="14" name="Picture 13" descr="ProcessedKilobotPic.jpg"/>
+          <p:cNvPr id="2" name="Picture 1" descr="FrictionCoverPhoto.png"/>
           <p:cNvPicPr>
             <a:picLocks noChangeAspect="1"/>
           </p:cNvPicPr>
@@ -3122,8 +3122,8 @@
         </p:blipFill>
         <p:spPr>
           <a:xfrm>
-            <a:off x="0" y="0"/>
-            <a:ext cx="5431692" cy="5443412"/>
+            <a:off x="15875" y="-15588"/>
+            <a:ext cx="5544642" cy="5486400"/>
           </a:xfrm>
           <a:prstGeom prst="rect">
             <a:avLst/>
@@ -3138,8 +3138,8 @@
         </p:nvSpPr>
         <p:spPr>
           <a:xfrm>
-            <a:off x="5922806" y="1796537"/>
-            <a:ext cx="3124651" cy="1938992"/>
+            <a:off x="5508116" y="1442375"/>
+            <a:ext cx="3124651" cy="2308324"/>
           </a:xfrm>
           <a:prstGeom prst="rect">
             <a:avLst/>
@@ -3154,16 +3154,36 @@
           <a:p>
             <a:pPr algn="ctr"/>
             <a:r>
+              <a:rPr lang="en-US" sz="2400" dirty="0">
+                <a:latin typeface="Times New Roman"/>
+                <a:cs typeface="Times New Roman"/>
+              </a:rPr>
+              <a:t>(global control input)</a:t>
+            </a:r>
+          </a:p>
+          <a:p>
+            <a:pPr algn="ctr"/>
+            <a:endParaRPr lang="en-US" sz="2400" dirty="0" smtClean="0">
+              <a:latin typeface="Times New Roman"/>
+              <a:cs typeface="Times New Roman"/>
+            </a:endParaRPr>
+          </a:p>
+          <a:p>
+            <a:pPr algn="ctr"/>
+            <a:r>
               <a:rPr lang="en-US" sz="2400" dirty="0" smtClean="0">
                 <a:latin typeface="Times New Roman"/>
                 <a:cs typeface="Times New Roman"/>
               </a:rPr>
-              <a:t>Distant light </a:t>
-            </a:r>
-            <a:endParaRPr lang="en-US" sz="2400" dirty="0" smtClean="0">
-              <a:latin typeface="Times New Roman"/>
-              <a:cs typeface="Times New Roman"/>
-            </a:endParaRPr>
+              <a:t>Distant </a:t>
+            </a:r>
+            <a:r>
+              <a:rPr lang="en-US" sz="2400" dirty="0" smtClean="0">
+                <a:latin typeface="Times New Roman"/>
+                <a:cs typeface="Times New Roman"/>
+              </a:rPr>
+              <a:t>light </a:t>
+            </a:r>
           </a:p>
           <a:p>
             <a:pPr algn="ctr"/>
@@ -3191,20 +3211,6 @@
           </a:p>
           <a:p>
             <a:pPr algn="ctr"/>
-            <a:endParaRPr lang="en-US" sz="2400" dirty="0">
-              <a:latin typeface="Times New Roman"/>
-              <a:cs typeface="Times New Roman"/>
-            </a:endParaRPr>
-          </a:p>
-          <a:p>
-            <a:pPr algn="ctr"/>
-            <a:r>
-              <a:rPr lang="en-US" sz="2400" dirty="0" smtClean="0">
-                <a:latin typeface="Times New Roman"/>
-                <a:cs typeface="Times New Roman"/>
-              </a:rPr>
-              <a:t>(global control input)</a:t>
-            </a:r>
             <a:endParaRPr lang="en-US" sz="2400" dirty="0">
               <a:latin typeface="Times New Roman"/>
               <a:cs typeface="Times New Roman"/>
@@ -5732,6 +5738,240 @@
           </a:p>
         </p:txBody>
       </p:sp>
+      <p:grpSp>
+        <p:nvGrpSpPr>
+          <p:cNvPr id="103" name="Group 102"/>
+          <p:cNvGrpSpPr/>
+          <p:nvPr/>
+        </p:nvGrpSpPr>
+        <p:grpSpPr>
+          <a:xfrm>
+            <a:off x="5844229" y="2929238"/>
+            <a:ext cx="1828666" cy="2408802"/>
+            <a:chOff x="5588966" y="2461323"/>
+            <a:chExt cx="2266729" cy="3212710"/>
+          </a:xfrm>
+        </p:grpSpPr>
+        <p:sp>
+          <p:nvSpPr>
+            <p:cNvPr id="104" name="TextBox 103"/>
+            <p:cNvSpPr txBox="1"/>
+            <p:nvPr/>
+          </p:nvSpPr>
+          <p:spPr>
+            <a:xfrm>
+              <a:off x="6453258" y="5304701"/>
+              <a:ext cx="855351" cy="369332"/>
+            </a:xfrm>
+            <a:prstGeom prst="rect">
+              <a:avLst/>
+            </a:prstGeom>
+            <a:noFill/>
+          </p:spPr>
+          <p:txBody>
+            <a:bodyPr wrap="square" rtlCol="0">
+              <a:spAutoFit/>
+            </a:bodyPr>
+            <a:lstStyle/>
+            <a:p>
+              <a:r>
+                <a:rPr lang="en-US" dirty="0" smtClean="0">
+                  <a:latin typeface="Times"/>
+                  <a:cs typeface="Times"/>
+                </a:rPr>
+                <a:t>3 cm</a:t>
+              </a:r>
+              <a:endParaRPr lang="en-US" dirty="0">
+                <a:latin typeface="Times"/>
+                <a:cs typeface="Times"/>
+              </a:endParaRPr>
+            </a:p>
+          </p:txBody>
+        </p:sp>
+        <p:pic>
+          <p:nvPicPr>
+            <p:cNvPr id="105" name="Picture 104" descr="Kilobot.png"/>
+            <p:cNvPicPr>
+              <a:picLocks noChangeAspect="1"/>
+            </p:cNvPicPr>
+            <p:nvPr/>
+          </p:nvPicPr>
+          <p:blipFill>
+            <a:blip r:embed="rId3" cstate="screen">
+              <a:extLst>
+                <a:ext uri="{28A0092B-C50C-407E-A947-70E740481C1C}">
+                  <a14:useLocalDpi xmlns:a14="http://schemas.microsoft.com/office/drawing/2010/main"/>
+                </a:ext>
+              </a:extLst>
+            </a:blip>
+            <a:stretch>
+              <a:fillRect/>
+            </a:stretch>
+          </p:blipFill>
+          <p:spPr>
+            <a:xfrm>
+              <a:off x="5588966" y="2461323"/>
+              <a:ext cx="2266729" cy="2902785"/>
+            </a:xfrm>
+            <a:prstGeom prst="rect">
+              <a:avLst/>
+            </a:prstGeom>
+          </p:spPr>
+        </p:pic>
+        <p:cxnSp>
+          <p:nvCxnSpPr>
+            <p:cNvPr id="106" name="Straight Arrow Connector 105"/>
+            <p:cNvCxnSpPr/>
+            <p:nvPr/>
+          </p:nvCxnSpPr>
+          <p:spPr>
+            <a:xfrm flipV="1">
+              <a:off x="6042936" y="5313008"/>
+              <a:ext cx="1604938" cy="5056"/>
+            </a:xfrm>
+            <a:prstGeom prst="straightConnector1">
+              <a:avLst/>
+            </a:prstGeom>
+            <a:ln>
+              <a:solidFill>
+                <a:srgbClr val="FF0000"/>
+              </a:solidFill>
+              <a:headEnd type="arrow"/>
+              <a:tailEnd type="arrow"/>
+            </a:ln>
+          </p:spPr>
+          <p:style>
+            <a:lnRef idx="2">
+              <a:schemeClr val="accent1"/>
+            </a:lnRef>
+            <a:fillRef idx="0">
+              <a:schemeClr val="accent1"/>
+            </a:fillRef>
+            <a:effectRef idx="1">
+              <a:schemeClr val="accent1"/>
+            </a:effectRef>
+            <a:fontRef idx="minor">
+              <a:schemeClr val="tx1"/>
+            </a:fontRef>
+          </p:style>
+        </p:cxnSp>
+      </p:grpSp>
+      <p:sp>
+        <p:nvSpPr>
+          <p:cNvPr id="113" name="Oval 3"/>
+          <p:cNvSpPr>
+            <a:spLocks noChangeArrowheads="1"/>
+          </p:cNvSpPr>
+          <p:nvPr/>
+        </p:nvSpPr>
+        <p:spPr bwMode="auto">
+          <a:xfrm>
+            <a:off x="5813914" y="3062425"/>
+            <a:ext cx="1954231" cy="1892088"/>
+          </a:xfrm>
+          <a:prstGeom prst="ellipse">
+            <a:avLst/>
+          </a:prstGeom>
+          <a:noFill/>
+          <a:ln w="9525">
+            <a:solidFill>
+              <a:schemeClr val="tx1"/>
+            </a:solidFill>
+            <a:round/>
+            <a:headEnd/>
+            <a:tailEnd/>
+          </a:ln>
+          <a:extLst>
+            <a:ext uri="{909E8E84-426E-40dd-AFC4-6F175D3DCCD1}">
+              <a14:hiddenFill xmlns:a14="http://schemas.microsoft.com/office/drawing/2010/main">
+                <a:solidFill>
+                  <a:srgbClr val="FFFFFF"/>
+                </a:solidFill>
+              </a14:hiddenFill>
+            </a:ext>
+          </a:extLst>
+        </p:spPr>
+        <p:txBody>
+          <a:bodyPr/>
+          <a:lstStyle/>
+          <a:p>
+            <a:endParaRPr lang="en-US">
+              <a:ea typeface="ＭＳ Ｐゴシック" charset="0"/>
+              <a:cs typeface="ＭＳ Ｐゴシック" charset="0"/>
+            </a:endParaRPr>
+          </a:p>
+        </p:txBody>
+      </p:sp>
+      <p:cxnSp>
+        <p:nvCxnSpPr>
+          <p:cNvPr id="114" name="Straight Connector 5"/>
+          <p:cNvCxnSpPr>
+            <a:cxnSpLocks noChangeShapeType="1"/>
+            <a:stCxn id="113" idx="0"/>
+          </p:cNvCxnSpPr>
+          <p:nvPr/>
+        </p:nvCxnSpPr>
+        <p:spPr bwMode="auto">
+          <a:xfrm flipH="1" flipV="1">
+            <a:off x="4635500" y="2972390"/>
+            <a:ext cx="2155530" cy="90035"/>
+          </a:xfrm>
+          <a:prstGeom prst="line">
+            <a:avLst/>
+          </a:prstGeom>
+          <a:noFill/>
+          <a:ln w="9525">
+            <a:solidFill>
+              <a:schemeClr val="tx1"/>
+            </a:solidFill>
+            <a:round/>
+            <a:headEnd/>
+            <a:tailEnd/>
+          </a:ln>
+          <a:extLst>
+            <a:ext uri="{909E8E84-426E-40dd-AFC4-6F175D3DCCD1}">
+              <a14:hiddenFill xmlns:a14="http://schemas.microsoft.com/office/drawing/2010/main">
+                <a:noFill/>
+              </a14:hiddenFill>
+            </a:ext>
+          </a:extLst>
+        </p:spPr>
+      </p:cxnSp>
+      <p:cxnSp>
+        <p:nvCxnSpPr>
+          <p:cNvPr id="115" name="Straight Connector 28"/>
+          <p:cNvCxnSpPr>
+            <a:cxnSpLocks noChangeShapeType="1"/>
+            <a:endCxn id="113" idx="3"/>
+          </p:cNvCxnSpPr>
+          <p:nvPr/>
+        </p:nvCxnSpPr>
+        <p:spPr bwMode="auto">
+          <a:xfrm>
+            <a:off x="4635500" y="3157669"/>
+            <a:ext cx="1464605" cy="1519754"/>
+          </a:xfrm>
+          <a:prstGeom prst="line">
+            <a:avLst/>
+          </a:prstGeom>
+          <a:noFill/>
+          <a:ln w="9525">
+            <a:solidFill>
+              <a:schemeClr val="tx1"/>
+            </a:solidFill>
+            <a:round/>
+            <a:headEnd/>
+            <a:tailEnd/>
+          </a:ln>
+          <a:extLst>
+            <a:ext uri="{909E8E84-426E-40dd-AFC4-6F175D3DCCD1}">
+              <a14:hiddenFill xmlns:a14="http://schemas.microsoft.com/office/drawing/2010/main">
+                <a:noFill/>
+              </a14:hiddenFill>
+            </a:ext>
+          </a:extLst>
+        </p:spPr>
+      </p:cxnSp>
     </p:spTree>
     <p:extLst>
       <p:ext uri="{BB962C8B-B14F-4D97-AF65-F5344CB8AC3E}">

--- a/RA-L/pictures/pdf/IntroSwarmPic.pptx
+++ b/RA-L/pictures/pdf/IntroSwarmPic.pptx
@@ -3121,7 +3121,7 @@
           </a:stretch>
         </p:blipFill>
         <p:spPr>
-          <a:xfrm>
+          <a:xfrm rot="5400000">
             <a:off x="15875" y="-15588"/>
             <a:ext cx="5544642" cy="5486400"/>
           </a:xfrm>
@@ -3175,14 +3175,7 @@
                 <a:latin typeface="Times New Roman"/>
                 <a:cs typeface="Times New Roman"/>
               </a:rPr>
-              <a:t>Distant </a:t>
-            </a:r>
-            <a:r>
-              <a:rPr lang="en-US" sz="2400" dirty="0" smtClean="0">
-                <a:latin typeface="Times New Roman"/>
-                <a:cs typeface="Times New Roman"/>
-              </a:rPr>
-              <a:t>light </a:t>
+              <a:t>Distant light </a:t>
             </a:r>
           </a:p>
           <a:p>
@@ -3226,7 +3219,7 @@
         </p:nvSpPr>
         <p:spPr>
           <a:xfrm>
-            <a:off x="1191846" y="3157669"/>
+            <a:off x="1350596" y="1026876"/>
             <a:ext cx="2849743" cy="830997"/>
           </a:xfrm>
           <a:prstGeom prst="rect">
@@ -5912,9 +5905,9 @@
           <p:nvPr/>
         </p:nvCxnSpPr>
         <p:spPr bwMode="auto">
-          <a:xfrm flipH="1" flipV="1">
-            <a:off x="4635500" y="2972390"/>
-            <a:ext cx="2155530" cy="90035"/>
+          <a:xfrm flipH="1">
+            <a:off x="5270500" y="3062425"/>
+            <a:ext cx="1520530" cy="120080"/>
           </a:xfrm>
           <a:prstGeom prst="line">
             <a:avLst/>
@@ -5948,8 +5941,8 @@
         </p:nvCxnSpPr>
         <p:spPr bwMode="auto">
           <a:xfrm>
-            <a:off x="4635500" y="3157669"/>
-            <a:ext cx="1464605" cy="1519754"/>
+            <a:off x="5159375" y="3371927"/>
+            <a:ext cx="940730" cy="1305496"/>
           </a:xfrm>
           <a:prstGeom prst="line">
             <a:avLst/>

--- a/RA-L/pictures/pdf/IntroSwarmPic.pptx
+++ b/RA-L/pictures/pdf/IntroSwarmPic.pptx
@@ -5964,6 +5964,79 @@
             </a:ext>
           </a:extLst>
         </p:spPr>
+      </p:cxnSp>
+      <p:sp>
+        <p:nvSpPr>
+          <p:cNvPr id="99" name="TextBox 98"/>
+          <p:cNvSpPr txBox="1"/>
+          <p:nvPr/>
+        </p:nvSpPr>
+        <p:spPr>
+          <a:xfrm>
+            <a:off x="7983288" y="4148063"/>
+            <a:ext cx="690048" cy="276915"/>
+          </a:xfrm>
+          <a:prstGeom prst="rect">
+            <a:avLst/>
+          </a:prstGeom>
+          <a:noFill/>
+        </p:spPr>
+        <p:txBody>
+          <a:bodyPr wrap="square" rtlCol="0">
+            <a:spAutoFit/>
+          </a:bodyPr>
+          <a:lstStyle/>
+          <a:p>
+            <a:r>
+              <a:rPr lang="en-US" dirty="0" smtClean="0">
+                <a:latin typeface="Times"/>
+                <a:cs typeface="Times"/>
+              </a:rPr>
+              <a:t>3 cm</a:t>
+            </a:r>
+            <a:endParaRPr lang="en-US" dirty="0">
+              <a:latin typeface="Times"/>
+              <a:cs typeface="Times"/>
+            </a:endParaRPr>
+          </a:p>
+        </p:txBody>
+      </p:sp>
+      <p:cxnSp>
+        <p:nvCxnSpPr>
+          <p:cNvPr id="100" name="Straight Arrow Connector 99"/>
+          <p:cNvCxnSpPr/>
+          <p:nvPr/>
+        </p:nvCxnSpPr>
+        <p:spPr>
+          <a:xfrm>
+            <a:off x="7907754" y="3750699"/>
+            <a:ext cx="0" cy="1168260"/>
+          </a:xfrm>
+          <a:prstGeom prst="straightConnector1">
+            <a:avLst/>
+          </a:prstGeom>
+          <a:ln>
+            <a:solidFill>
+              <a:srgbClr val="FF0000"/>
+            </a:solidFill>
+            <a:headEnd type="arrow"/>
+            <a:tailEnd type="arrow"/>
+          </a:ln>
+        </p:spPr>
+        <p:style>
+          <a:lnRef idx="2">
+            <a:schemeClr val="accent1"/>
+          </a:lnRef>
+          <a:fillRef idx="0">
+            <a:schemeClr val="accent1"/>
+          </a:fillRef>
+          <a:effectRef idx="1">
+            <a:schemeClr val="accent1"/>
+          </a:effectRef>
+          <a:fontRef idx="minor">
+            <a:schemeClr val="tx1"/>
+          </a:fontRef>
+        </p:style>
       </p:cxnSp>
     </p:spTree>
     <p:extLst>

--- a/RA-L/pictures/pdf/IntroSwarmPic.pptx
+++ b/RA-L/pictures/pdf/IntroSwarmPic.pptx
@@ -288,7 +288,7 @@
           <a:p>
             <a:fld id="{05487026-7C3F-E447-98E7-AF520D29232F}" type="datetimeFigureOut">
               <a:rPr lang="en-US" smtClean="0"/>
-              <a:t>8/26/16</a:t>
+              <a:t>9/6/16</a:t>
             </a:fld>
             <a:endParaRPr lang="en-US"/>
           </a:p>
@@ -458,7 +458,7 @@
           <a:p>
             <a:fld id="{05487026-7C3F-E447-98E7-AF520D29232F}" type="datetimeFigureOut">
               <a:rPr lang="en-US" smtClean="0"/>
-              <a:t>8/26/16</a:t>
+              <a:t>9/6/16</a:t>
             </a:fld>
             <a:endParaRPr lang="en-US"/>
           </a:p>
@@ -638,7 +638,7 @@
           <a:p>
             <a:fld id="{05487026-7C3F-E447-98E7-AF520D29232F}" type="datetimeFigureOut">
               <a:rPr lang="en-US" smtClean="0"/>
-              <a:t>8/26/16</a:t>
+              <a:t>9/6/16</a:t>
             </a:fld>
             <a:endParaRPr lang="en-US"/>
           </a:p>
@@ -808,7 +808,7 @@
           <a:p>
             <a:fld id="{05487026-7C3F-E447-98E7-AF520D29232F}" type="datetimeFigureOut">
               <a:rPr lang="en-US" smtClean="0"/>
-              <a:t>8/26/16</a:t>
+              <a:t>9/6/16</a:t>
             </a:fld>
             <a:endParaRPr lang="en-US"/>
           </a:p>
@@ -1054,7 +1054,7 @@
           <a:p>
             <a:fld id="{05487026-7C3F-E447-98E7-AF520D29232F}" type="datetimeFigureOut">
               <a:rPr lang="en-US" smtClean="0"/>
-              <a:t>8/26/16</a:t>
+              <a:t>9/6/16</a:t>
             </a:fld>
             <a:endParaRPr lang="en-US"/>
           </a:p>
@@ -1342,7 +1342,7 @@
           <a:p>
             <a:fld id="{05487026-7C3F-E447-98E7-AF520D29232F}" type="datetimeFigureOut">
               <a:rPr lang="en-US" smtClean="0"/>
-              <a:t>8/26/16</a:t>
+              <a:t>9/6/16</a:t>
             </a:fld>
             <a:endParaRPr lang="en-US"/>
           </a:p>
@@ -1769,7 +1769,7 @@
           <a:p>
             <a:fld id="{05487026-7C3F-E447-98E7-AF520D29232F}" type="datetimeFigureOut">
               <a:rPr lang="en-US" smtClean="0"/>
-              <a:t>8/26/16</a:t>
+              <a:t>9/6/16</a:t>
             </a:fld>
             <a:endParaRPr lang="en-US"/>
           </a:p>
@@ -1887,7 +1887,7 @@
           <a:p>
             <a:fld id="{05487026-7C3F-E447-98E7-AF520D29232F}" type="datetimeFigureOut">
               <a:rPr lang="en-US" smtClean="0"/>
-              <a:t>8/26/16</a:t>
+              <a:t>9/6/16</a:t>
             </a:fld>
             <a:endParaRPr lang="en-US"/>
           </a:p>
@@ -1982,7 +1982,7 @@
           <a:p>
             <a:fld id="{05487026-7C3F-E447-98E7-AF520D29232F}" type="datetimeFigureOut">
               <a:rPr lang="en-US" smtClean="0"/>
-              <a:t>8/26/16</a:t>
+              <a:t>9/6/16</a:t>
             </a:fld>
             <a:endParaRPr lang="en-US"/>
           </a:p>
@@ -2259,7 +2259,7 @@
           <a:p>
             <a:fld id="{05487026-7C3F-E447-98E7-AF520D29232F}" type="datetimeFigureOut">
               <a:rPr lang="en-US" smtClean="0"/>
-              <a:t>8/26/16</a:t>
+              <a:t>9/6/16</a:t>
             </a:fld>
             <a:endParaRPr lang="en-US"/>
           </a:p>
@@ -2512,7 +2512,7 @@
           <a:p>
             <a:fld id="{05487026-7C3F-E447-98E7-AF520D29232F}" type="datetimeFigureOut">
               <a:rPr lang="en-US" smtClean="0"/>
-              <a:t>8/26/16</a:t>
+              <a:t>9/6/16</a:t>
             </a:fld>
             <a:endParaRPr lang="en-US"/>
           </a:p>
@@ -2725,7 +2725,7 @@
           <a:p>
             <a:fld id="{05487026-7C3F-E447-98E7-AF520D29232F}" type="datetimeFigureOut">
               <a:rPr lang="en-US" smtClean="0"/>
-              <a:t>8/26/16</a:t>
+              <a:t>9/6/16</a:t>
             </a:fld>
             <a:endParaRPr lang="en-US"/>
           </a:p>
@@ -3109,10 +3109,10 @@
           <p:nvPr/>
         </p:nvPicPr>
         <p:blipFill>
-          <a:blip r:embed="rId2">
+          <a:blip r:embed="rId2" cstate="email">
             <a:extLst>
               <a:ext uri="{28A0092B-C50C-407E-A947-70E740481C1C}">
-                <a14:useLocalDpi xmlns:a14="http://schemas.microsoft.com/office/drawing/2010/main" val="0"/>
+                <a14:useLocalDpi xmlns:a14="http://schemas.microsoft.com/office/drawing/2010/main"/>
               </a:ext>
             </a:extLst>
           </a:blip>
@@ -5790,7 +5790,7 @@
             <p:nvPr/>
           </p:nvPicPr>
           <p:blipFill>
-            <a:blip r:embed="rId3" cstate="screen">
+            <a:blip r:embed="rId3" cstate="email">
               <a:extLst>
                 <a:ext uri="{28A0092B-C50C-407E-A947-70E740481C1C}">
                   <a14:useLocalDpi xmlns:a14="http://schemas.microsoft.com/office/drawing/2010/main"/>

--- a/RA-L/pictures/pdf/IntroSwarmPic.pptx
+++ b/RA-L/pictures/pdf/IntroSwarmPic.pptx
@@ -7,14 +7,14 @@
   <p:sldIdLst>
     <p:sldId id="256" r:id="rId2"/>
   </p:sldIdLst>
-  <p:sldSz cx="9144000" cy="5486400"/>
+  <p:sldSz cx="4572000" cy="2743200"/>
   <p:notesSz cx="6858000" cy="9144000"/>
   <p:defaultTextStyle>
     <a:defPPr>
       <a:defRPr lang="en-US"/>
     </a:defPPr>
-    <a:lvl1pPr marL="0" algn="l" defTabSz="457200" rtl="0" eaLnBrk="1" latinLnBrk="0" hangingPunct="1">
-      <a:defRPr sz="1800" kern="1200">
+    <a:lvl1pPr marL="0" algn="l" defTabSz="228600" rtl="0" eaLnBrk="1" latinLnBrk="0" hangingPunct="1">
+      <a:defRPr sz="900" kern="1200">
         <a:solidFill>
           <a:schemeClr val="tx1"/>
         </a:solidFill>
@@ -23,8 +23,8 @@
         <a:cs typeface="+mn-cs"/>
       </a:defRPr>
     </a:lvl1pPr>
-    <a:lvl2pPr marL="457200" algn="l" defTabSz="457200" rtl="0" eaLnBrk="1" latinLnBrk="0" hangingPunct="1">
-      <a:defRPr sz="1800" kern="1200">
+    <a:lvl2pPr marL="228600" algn="l" defTabSz="228600" rtl="0" eaLnBrk="1" latinLnBrk="0" hangingPunct="1">
+      <a:defRPr sz="900" kern="1200">
         <a:solidFill>
           <a:schemeClr val="tx1"/>
         </a:solidFill>
@@ -33,8 +33,8 @@
         <a:cs typeface="+mn-cs"/>
       </a:defRPr>
     </a:lvl2pPr>
-    <a:lvl3pPr marL="914400" algn="l" defTabSz="457200" rtl="0" eaLnBrk="1" latinLnBrk="0" hangingPunct="1">
-      <a:defRPr sz="1800" kern="1200">
+    <a:lvl3pPr marL="457200" algn="l" defTabSz="228600" rtl="0" eaLnBrk="1" latinLnBrk="0" hangingPunct="1">
+      <a:defRPr sz="900" kern="1200">
         <a:solidFill>
           <a:schemeClr val="tx1"/>
         </a:solidFill>
@@ -43,8 +43,8 @@
         <a:cs typeface="+mn-cs"/>
       </a:defRPr>
     </a:lvl3pPr>
-    <a:lvl4pPr marL="1371600" algn="l" defTabSz="457200" rtl="0" eaLnBrk="1" latinLnBrk="0" hangingPunct="1">
-      <a:defRPr sz="1800" kern="1200">
+    <a:lvl4pPr marL="685800" algn="l" defTabSz="228600" rtl="0" eaLnBrk="1" latinLnBrk="0" hangingPunct="1">
+      <a:defRPr sz="900" kern="1200">
         <a:solidFill>
           <a:schemeClr val="tx1"/>
         </a:solidFill>
@@ -53,8 +53,8 @@
         <a:cs typeface="+mn-cs"/>
       </a:defRPr>
     </a:lvl4pPr>
-    <a:lvl5pPr marL="1828800" algn="l" defTabSz="457200" rtl="0" eaLnBrk="1" latinLnBrk="0" hangingPunct="1">
-      <a:defRPr sz="1800" kern="1200">
+    <a:lvl5pPr marL="914400" algn="l" defTabSz="228600" rtl="0" eaLnBrk="1" latinLnBrk="0" hangingPunct="1">
+      <a:defRPr sz="900" kern="1200">
         <a:solidFill>
           <a:schemeClr val="tx1"/>
         </a:solidFill>
@@ -63,8 +63,8 @@
         <a:cs typeface="+mn-cs"/>
       </a:defRPr>
     </a:lvl5pPr>
-    <a:lvl6pPr marL="2286000" algn="l" defTabSz="457200" rtl="0" eaLnBrk="1" latinLnBrk="0" hangingPunct="1">
-      <a:defRPr sz="1800" kern="1200">
+    <a:lvl6pPr marL="1143000" algn="l" defTabSz="228600" rtl="0" eaLnBrk="1" latinLnBrk="0" hangingPunct="1">
+      <a:defRPr sz="900" kern="1200">
         <a:solidFill>
           <a:schemeClr val="tx1"/>
         </a:solidFill>
@@ -73,8 +73,8 @@
         <a:cs typeface="+mn-cs"/>
       </a:defRPr>
     </a:lvl6pPr>
-    <a:lvl7pPr marL="2743200" algn="l" defTabSz="457200" rtl="0" eaLnBrk="1" latinLnBrk="0" hangingPunct="1">
-      <a:defRPr sz="1800" kern="1200">
+    <a:lvl7pPr marL="1371600" algn="l" defTabSz="228600" rtl="0" eaLnBrk="1" latinLnBrk="0" hangingPunct="1">
+      <a:defRPr sz="900" kern="1200">
         <a:solidFill>
           <a:schemeClr val="tx1"/>
         </a:solidFill>
@@ -83,8 +83,8 @@
         <a:cs typeface="+mn-cs"/>
       </a:defRPr>
     </a:lvl7pPr>
-    <a:lvl8pPr marL="3200400" algn="l" defTabSz="457200" rtl="0" eaLnBrk="1" latinLnBrk="0" hangingPunct="1">
-      <a:defRPr sz="1800" kern="1200">
+    <a:lvl8pPr marL="1600200" algn="l" defTabSz="228600" rtl="0" eaLnBrk="1" latinLnBrk="0" hangingPunct="1">
+      <a:defRPr sz="900" kern="1200">
         <a:solidFill>
           <a:schemeClr val="tx1"/>
         </a:solidFill>
@@ -93,8 +93,8 @@
         <a:cs typeface="+mn-cs"/>
       </a:defRPr>
     </a:lvl8pPr>
-    <a:lvl9pPr marL="3657600" algn="l" defTabSz="457200" rtl="0" eaLnBrk="1" latinLnBrk="0" hangingPunct="1">
-      <a:defRPr sz="1800" kern="1200">
+    <a:lvl9pPr marL="1828800" algn="l" defTabSz="228600" rtl="0" eaLnBrk="1" latinLnBrk="0" hangingPunct="1">
+      <a:defRPr sz="900" kern="1200">
         <a:solidFill>
           <a:schemeClr val="tx1"/>
         </a:solidFill>
@@ -136,8 +136,8 @@
         </p:nvSpPr>
         <p:spPr>
           <a:xfrm>
-            <a:off x="685800" y="1704340"/>
-            <a:ext cx="7772400" cy="1176020"/>
+            <a:off x="342900" y="852170"/>
+            <a:ext cx="3886200" cy="588010"/>
           </a:xfrm>
         </p:spPr>
         <p:txBody>
@@ -164,8 +164,8 @@
         </p:nvSpPr>
         <p:spPr>
           <a:xfrm>
-            <a:off x="1371600" y="3108960"/>
-            <a:ext cx="6400800" cy="1402080"/>
+            <a:off x="685800" y="1554480"/>
+            <a:ext cx="3200400" cy="701040"/>
           </a:xfrm>
         </p:spPr>
         <p:txBody>
@@ -181,7 +181,7 @@
                 </a:solidFill>
               </a:defRPr>
             </a:lvl1pPr>
-            <a:lvl2pPr marL="457200" indent="0" algn="ctr">
+            <a:lvl2pPr marL="228600" indent="0" algn="ctr">
               <a:buNone/>
               <a:defRPr>
                 <a:solidFill>
@@ -191,7 +191,7 @@
                 </a:solidFill>
               </a:defRPr>
             </a:lvl2pPr>
-            <a:lvl3pPr marL="914400" indent="0" algn="ctr">
+            <a:lvl3pPr marL="457200" indent="0" algn="ctr">
               <a:buNone/>
               <a:defRPr>
                 <a:solidFill>
@@ -201,7 +201,7 @@
                 </a:solidFill>
               </a:defRPr>
             </a:lvl3pPr>
-            <a:lvl4pPr marL="1371600" indent="0" algn="ctr">
+            <a:lvl4pPr marL="685800" indent="0" algn="ctr">
               <a:buNone/>
               <a:defRPr>
                 <a:solidFill>
@@ -211,7 +211,7 @@
                 </a:solidFill>
               </a:defRPr>
             </a:lvl4pPr>
-            <a:lvl5pPr marL="1828800" indent="0" algn="ctr">
+            <a:lvl5pPr marL="914400" indent="0" algn="ctr">
               <a:buNone/>
               <a:defRPr>
                 <a:solidFill>
@@ -221,7 +221,7 @@
                 </a:solidFill>
               </a:defRPr>
             </a:lvl5pPr>
-            <a:lvl6pPr marL="2286000" indent="0" algn="ctr">
+            <a:lvl6pPr marL="1143000" indent="0" algn="ctr">
               <a:buNone/>
               <a:defRPr>
                 <a:solidFill>
@@ -231,7 +231,7 @@
                 </a:solidFill>
               </a:defRPr>
             </a:lvl6pPr>
-            <a:lvl7pPr marL="2743200" indent="0" algn="ctr">
+            <a:lvl7pPr marL="1371600" indent="0" algn="ctr">
               <a:buNone/>
               <a:defRPr>
                 <a:solidFill>
@@ -241,7 +241,7 @@
                 </a:solidFill>
               </a:defRPr>
             </a:lvl7pPr>
-            <a:lvl8pPr marL="3200400" indent="0" algn="ctr">
+            <a:lvl8pPr marL="1600200" indent="0" algn="ctr">
               <a:buNone/>
               <a:defRPr>
                 <a:solidFill>
@@ -251,7 +251,7 @@
                 </a:solidFill>
               </a:defRPr>
             </a:lvl8pPr>
-            <a:lvl9pPr marL="3657600" indent="0" algn="ctr">
+            <a:lvl9pPr marL="1828800" indent="0" algn="ctr">
               <a:buNone/>
               <a:defRPr>
                 <a:solidFill>
@@ -548,8 +548,8 @@
         </p:nvSpPr>
         <p:spPr>
           <a:xfrm>
-            <a:off x="6629400" y="175260"/>
-            <a:ext cx="2057400" cy="3745230"/>
+            <a:off x="3314700" y="87630"/>
+            <a:ext cx="1028700" cy="1872615"/>
           </a:xfrm>
         </p:spPr>
         <p:txBody>
@@ -576,8 +576,8 @@
         </p:nvSpPr>
         <p:spPr>
           <a:xfrm>
-            <a:off x="457200" y="175260"/>
-            <a:ext cx="6019800" cy="3745230"/>
+            <a:off x="228600" y="87630"/>
+            <a:ext cx="3009900" cy="1872615"/>
           </a:xfrm>
         </p:spPr>
         <p:txBody>
@@ -898,15 +898,15 @@
         </p:nvSpPr>
         <p:spPr>
           <a:xfrm>
-            <a:off x="722313" y="3525520"/>
-            <a:ext cx="7772400" cy="1089660"/>
+            <a:off x="361157" y="1762760"/>
+            <a:ext cx="3886200" cy="544830"/>
           </a:xfrm>
         </p:spPr>
         <p:txBody>
           <a:bodyPr anchor="t"/>
           <a:lstStyle>
             <a:lvl1pPr algn="l">
-              <a:defRPr sz="4000" b="1" cap="all"/>
+              <a:defRPr sz="2000" b="1" cap="all"/>
             </a:lvl1pPr>
           </a:lstStyle>
           <a:p>
@@ -930,8 +930,8 @@
         </p:nvSpPr>
         <p:spPr>
           <a:xfrm>
-            <a:off x="722313" y="2325371"/>
-            <a:ext cx="7772400" cy="1200150"/>
+            <a:off x="361157" y="1162686"/>
+            <a:ext cx="3886200" cy="600075"/>
           </a:xfrm>
         </p:spPr>
         <p:txBody>
@@ -939,7 +939,7 @@
           <a:lstStyle>
             <a:lvl1pPr marL="0" indent="0">
               <a:buNone/>
-              <a:defRPr sz="2000">
+              <a:defRPr sz="1000">
                 <a:solidFill>
                   <a:schemeClr val="tx1">
                     <a:tint val="75000"/>
@@ -947,9 +947,9 @@
                 </a:solidFill>
               </a:defRPr>
             </a:lvl1pPr>
-            <a:lvl2pPr marL="457200" indent="0">
+            <a:lvl2pPr marL="228600" indent="0">
               <a:buNone/>
-              <a:defRPr sz="1800">
+              <a:defRPr sz="900">
                 <a:solidFill>
                   <a:schemeClr val="tx1">
                     <a:tint val="75000"/>
@@ -957,9 +957,9 @@
                 </a:solidFill>
               </a:defRPr>
             </a:lvl2pPr>
-            <a:lvl3pPr marL="914400" indent="0">
+            <a:lvl3pPr marL="457200" indent="0">
               <a:buNone/>
-              <a:defRPr sz="1600">
+              <a:defRPr sz="800">
                 <a:solidFill>
                   <a:schemeClr val="tx1">
                     <a:tint val="75000"/>
@@ -967,9 +967,9 @@
                 </a:solidFill>
               </a:defRPr>
             </a:lvl3pPr>
-            <a:lvl4pPr marL="1371600" indent="0">
+            <a:lvl4pPr marL="685800" indent="0">
               <a:buNone/>
-              <a:defRPr sz="1400">
+              <a:defRPr sz="700">
                 <a:solidFill>
                   <a:schemeClr val="tx1">
                     <a:tint val="75000"/>
@@ -977,9 +977,9 @@
                 </a:solidFill>
               </a:defRPr>
             </a:lvl4pPr>
-            <a:lvl5pPr marL="1828800" indent="0">
+            <a:lvl5pPr marL="914400" indent="0">
               <a:buNone/>
-              <a:defRPr sz="1400">
+              <a:defRPr sz="700">
                 <a:solidFill>
                   <a:schemeClr val="tx1">
                     <a:tint val="75000"/>
@@ -987,9 +987,9 @@
                 </a:solidFill>
               </a:defRPr>
             </a:lvl5pPr>
-            <a:lvl6pPr marL="2286000" indent="0">
+            <a:lvl6pPr marL="1143000" indent="0">
               <a:buNone/>
-              <a:defRPr sz="1400">
+              <a:defRPr sz="700">
                 <a:solidFill>
                   <a:schemeClr val="tx1">
                     <a:tint val="75000"/>
@@ -997,9 +997,9 @@
                 </a:solidFill>
               </a:defRPr>
             </a:lvl6pPr>
-            <a:lvl7pPr marL="2743200" indent="0">
+            <a:lvl7pPr marL="1371600" indent="0">
               <a:buNone/>
-              <a:defRPr sz="1400">
+              <a:defRPr sz="700">
                 <a:solidFill>
                   <a:schemeClr val="tx1">
                     <a:tint val="75000"/>
@@ -1007,9 +1007,9 @@
                 </a:solidFill>
               </a:defRPr>
             </a:lvl7pPr>
-            <a:lvl8pPr marL="3200400" indent="0">
+            <a:lvl8pPr marL="1600200" indent="0">
               <a:buNone/>
-              <a:defRPr sz="1400">
+              <a:defRPr sz="700">
                 <a:solidFill>
                   <a:schemeClr val="tx1">
                     <a:tint val="75000"/>
@@ -1017,9 +1017,9 @@
                 </a:solidFill>
               </a:defRPr>
             </a:lvl8pPr>
-            <a:lvl9pPr marL="3657600" indent="0">
+            <a:lvl9pPr marL="1828800" indent="0">
               <a:buNone/>
-              <a:defRPr sz="1400">
+              <a:defRPr sz="700">
                 <a:solidFill>
                   <a:schemeClr val="tx1">
                     <a:tint val="75000"/>
@@ -1167,39 +1167,39 @@
         </p:nvSpPr>
         <p:spPr>
           <a:xfrm>
-            <a:off x="457200" y="1023620"/>
-            <a:ext cx="4038600" cy="2896870"/>
+            <a:off x="228600" y="511810"/>
+            <a:ext cx="2019300" cy="1448435"/>
           </a:xfrm>
         </p:spPr>
         <p:txBody>
           <a:bodyPr/>
           <a:lstStyle>
             <a:lvl1pPr>
-              <a:defRPr sz="2800"/>
+              <a:defRPr sz="1400"/>
             </a:lvl1pPr>
             <a:lvl2pPr>
-              <a:defRPr sz="2400"/>
+              <a:defRPr sz="1200"/>
             </a:lvl2pPr>
             <a:lvl3pPr>
-              <a:defRPr sz="2000"/>
+              <a:defRPr sz="1000"/>
             </a:lvl3pPr>
             <a:lvl4pPr>
-              <a:defRPr sz="1800"/>
+              <a:defRPr sz="900"/>
             </a:lvl4pPr>
             <a:lvl5pPr>
-              <a:defRPr sz="1800"/>
+              <a:defRPr sz="900"/>
             </a:lvl5pPr>
             <a:lvl6pPr>
-              <a:defRPr sz="1800"/>
+              <a:defRPr sz="900"/>
             </a:lvl6pPr>
             <a:lvl7pPr>
-              <a:defRPr sz="1800"/>
+              <a:defRPr sz="900"/>
             </a:lvl7pPr>
             <a:lvl8pPr>
-              <a:defRPr sz="1800"/>
+              <a:defRPr sz="900"/>
             </a:lvl8pPr>
             <a:lvl9pPr>
-              <a:defRPr sz="1800"/>
+              <a:defRPr sz="900"/>
             </a:lvl9pPr>
           </a:lstStyle>
           <a:p>
@@ -1252,39 +1252,39 @@
         </p:nvSpPr>
         <p:spPr>
           <a:xfrm>
-            <a:off x="4648200" y="1023620"/>
-            <a:ext cx="4038600" cy="2896870"/>
+            <a:off x="2324100" y="511810"/>
+            <a:ext cx="2019300" cy="1448435"/>
           </a:xfrm>
         </p:spPr>
         <p:txBody>
           <a:bodyPr/>
           <a:lstStyle>
             <a:lvl1pPr>
-              <a:defRPr sz="2800"/>
+              <a:defRPr sz="1400"/>
             </a:lvl1pPr>
             <a:lvl2pPr>
-              <a:defRPr sz="2400"/>
+              <a:defRPr sz="1200"/>
             </a:lvl2pPr>
             <a:lvl3pPr>
-              <a:defRPr sz="2000"/>
+              <a:defRPr sz="1000"/>
             </a:lvl3pPr>
             <a:lvl4pPr>
-              <a:defRPr sz="1800"/>
+              <a:defRPr sz="900"/>
             </a:lvl4pPr>
             <a:lvl5pPr>
-              <a:defRPr sz="1800"/>
+              <a:defRPr sz="900"/>
             </a:lvl5pPr>
             <a:lvl6pPr>
-              <a:defRPr sz="1800"/>
+              <a:defRPr sz="900"/>
             </a:lvl6pPr>
             <a:lvl7pPr>
-              <a:defRPr sz="1800"/>
+              <a:defRPr sz="900"/>
             </a:lvl7pPr>
             <a:lvl8pPr>
-              <a:defRPr sz="1800"/>
+              <a:defRPr sz="900"/>
             </a:lvl8pPr>
             <a:lvl9pPr>
-              <a:defRPr sz="1800"/>
+              <a:defRPr sz="900"/>
             </a:lvl9pPr>
           </a:lstStyle>
           <a:p>
@@ -1432,8 +1432,8 @@
         </p:nvSpPr>
         <p:spPr>
           <a:xfrm>
-            <a:off x="457200" y="219710"/>
-            <a:ext cx="8229600" cy="914400"/>
+            <a:off x="228600" y="109855"/>
+            <a:ext cx="4114800" cy="457200"/>
           </a:xfrm>
         </p:spPr>
         <p:txBody>
@@ -1464,8 +1464,8 @@
         </p:nvSpPr>
         <p:spPr>
           <a:xfrm>
-            <a:off x="457200" y="1228090"/>
-            <a:ext cx="4040188" cy="511810"/>
+            <a:off x="228600" y="614045"/>
+            <a:ext cx="2020094" cy="255905"/>
           </a:xfrm>
         </p:spPr>
         <p:txBody>
@@ -1473,39 +1473,39 @@
           <a:lstStyle>
             <a:lvl1pPr marL="0" indent="0">
               <a:buNone/>
-              <a:defRPr sz="2400" b="1"/>
+              <a:defRPr sz="1200" b="1"/>
             </a:lvl1pPr>
-            <a:lvl2pPr marL="457200" indent="0">
+            <a:lvl2pPr marL="228600" indent="0">
               <a:buNone/>
-              <a:defRPr sz="2000" b="1"/>
+              <a:defRPr sz="1000" b="1"/>
             </a:lvl2pPr>
-            <a:lvl3pPr marL="914400" indent="0">
+            <a:lvl3pPr marL="457200" indent="0">
               <a:buNone/>
-              <a:defRPr sz="1800" b="1"/>
+              <a:defRPr sz="900" b="1"/>
             </a:lvl3pPr>
-            <a:lvl4pPr marL="1371600" indent="0">
+            <a:lvl4pPr marL="685800" indent="0">
               <a:buNone/>
-              <a:defRPr sz="1600" b="1"/>
+              <a:defRPr sz="800" b="1"/>
             </a:lvl4pPr>
-            <a:lvl5pPr marL="1828800" indent="0">
+            <a:lvl5pPr marL="914400" indent="0">
               <a:buNone/>
-              <a:defRPr sz="1600" b="1"/>
+              <a:defRPr sz="800" b="1"/>
             </a:lvl5pPr>
-            <a:lvl6pPr marL="2286000" indent="0">
+            <a:lvl6pPr marL="1143000" indent="0">
               <a:buNone/>
-              <a:defRPr sz="1600" b="1"/>
+              <a:defRPr sz="800" b="1"/>
             </a:lvl6pPr>
-            <a:lvl7pPr marL="2743200" indent="0">
+            <a:lvl7pPr marL="1371600" indent="0">
               <a:buNone/>
-              <a:defRPr sz="1600" b="1"/>
+              <a:defRPr sz="800" b="1"/>
             </a:lvl7pPr>
-            <a:lvl8pPr marL="3200400" indent="0">
+            <a:lvl8pPr marL="1600200" indent="0">
               <a:buNone/>
-              <a:defRPr sz="1600" b="1"/>
+              <a:defRPr sz="800" b="1"/>
             </a:lvl8pPr>
-            <a:lvl9pPr marL="3657600" indent="0">
+            <a:lvl9pPr marL="1828800" indent="0">
               <a:buNone/>
-              <a:defRPr sz="1600" b="1"/>
+              <a:defRPr sz="800" b="1"/>
             </a:lvl9pPr>
           </a:lstStyle>
           <a:p>
@@ -1529,39 +1529,39 @@
         </p:nvSpPr>
         <p:spPr>
           <a:xfrm>
-            <a:off x="457200" y="1739900"/>
-            <a:ext cx="4040188" cy="3161030"/>
+            <a:off x="228600" y="869950"/>
+            <a:ext cx="2020094" cy="1580515"/>
           </a:xfrm>
         </p:spPr>
         <p:txBody>
           <a:bodyPr/>
           <a:lstStyle>
             <a:lvl1pPr>
-              <a:defRPr sz="2400"/>
+              <a:defRPr sz="1200"/>
             </a:lvl1pPr>
             <a:lvl2pPr>
-              <a:defRPr sz="2000"/>
+              <a:defRPr sz="1000"/>
             </a:lvl2pPr>
             <a:lvl3pPr>
-              <a:defRPr sz="1800"/>
+              <a:defRPr sz="900"/>
             </a:lvl3pPr>
             <a:lvl4pPr>
-              <a:defRPr sz="1600"/>
+              <a:defRPr sz="800"/>
             </a:lvl4pPr>
             <a:lvl5pPr>
-              <a:defRPr sz="1600"/>
+              <a:defRPr sz="800"/>
             </a:lvl5pPr>
             <a:lvl6pPr>
-              <a:defRPr sz="1600"/>
+              <a:defRPr sz="800"/>
             </a:lvl6pPr>
             <a:lvl7pPr>
-              <a:defRPr sz="1600"/>
+              <a:defRPr sz="800"/>
             </a:lvl7pPr>
             <a:lvl8pPr>
-              <a:defRPr sz="1600"/>
+              <a:defRPr sz="800"/>
             </a:lvl8pPr>
             <a:lvl9pPr>
-              <a:defRPr sz="1600"/>
+              <a:defRPr sz="800"/>
             </a:lvl9pPr>
           </a:lstStyle>
           <a:p>
@@ -1614,8 +1614,8 @@
         </p:nvSpPr>
         <p:spPr>
           <a:xfrm>
-            <a:off x="4645026" y="1228090"/>
-            <a:ext cx="4041775" cy="511810"/>
+            <a:off x="2322513" y="614045"/>
+            <a:ext cx="2020888" cy="255905"/>
           </a:xfrm>
         </p:spPr>
         <p:txBody>
@@ -1623,39 +1623,39 @@
           <a:lstStyle>
             <a:lvl1pPr marL="0" indent="0">
               <a:buNone/>
-              <a:defRPr sz="2400" b="1"/>
+              <a:defRPr sz="1200" b="1"/>
             </a:lvl1pPr>
-            <a:lvl2pPr marL="457200" indent="0">
+            <a:lvl2pPr marL="228600" indent="0">
               <a:buNone/>
-              <a:defRPr sz="2000" b="1"/>
+              <a:defRPr sz="1000" b="1"/>
             </a:lvl2pPr>
-            <a:lvl3pPr marL="914400" indent="0">
+            <a:lvl3pPr marL="457200" indent="0">
               <a:buNone/>
-              <a:defRPr sz="1800" b="1"/>
+              <a:defRPr sz="900" b="1"/>
             </a:lvl3pPr>
-            <a:lvl4pPr marL="1371600" indent="0">
+            <a:lvl4pPr marL="685800" indent="0">
               <a:buNone/>
-              <a:defRPr sz="1600" b="1"/>
+              <a:defRPr sz="800" b="1"/>
             </a:lvl4pPr>
-            <a:lvl5pPr marL="1828800" indent="0">
+            <a:lvl5pPr marL="914400" indent="0">
               <a:buNone/>
-              <a:defRPr sz="1600" b="1"/>
+              <a:defRPr sz="800" b="1"/>
             </a:lvl5pPr>
-            <a:lvl6pPr marL="2286000" indent="0">
+            <a:lvl6pPr marL="1143000" indent="0">
               <a:buNone/>
-              <a:defRPr sz="1600" b="1"/>
+              <a:defRPr sz="800" b="1"/>
             </a:lvl6pPr>
-            <a:lvl7pPr marL="2743200" indent="0">
+            <a:lvl7pPr marL="1371600" indent="0">
               <a:buNone/>
-              <a:defRPr sz="1600" b="1"/>
+              <a:defRPr sz="800" b="1"/>
             </a:lvl7pPr>
-            <a:lvl8pPr marL="3200400" indent="0">
+            <a:lvl8pPr marL="1600200" indent="0">
               <a:buNone/>
-              <a:defRPr sz="1600" b="1"/>
+              <a:defRPr sz="800" b="1"/>
             </a:lvl8pPr>
-            <a:lvl9pPr marL="3657600" indent="0">
+            <a:lvl9pPr marL="1828800" indent="0">
               <a:buNone/>
-              <a:defRPr sz="1600" b="1"/>
+              <a:defRPr sz="800" b="1"/>
             </a:lvl9pPr>
           </a:lstStyle>
           <a:p>
@@ -1679,39 +1679,39 @@
         </p:nvSpPr>
         <p:spPr>
           <a:xfrm>
-            <a:off x="4645026" y="1739900"/>
-            <a:ext cx="4041775" cy="3161030"/>
+            <a:off x="2322513" y="869950"/>
+            <a:ext cx="2020888" cy="1580515"/>
           </a:xfrm>
         </p:spPr>
         <p:txBody>
           <a:bodyPr/>
           <a:lstStyle>
             <a:lvl1pPr>
-              <a:defRPr sz="2400"/>
+              <a:defRPr sz="1200"/>
             </a:lvl1pPr>
             <a:lvl2pPr>
-              <a:defRPr sz="2000"/>
+              <a:defRPr sz="1000"/>
             </a:lvl2pPr>
             <a:lvl3pPr>
-              <a:defRPr sz="1800"/>
+              <a:defRPr sz="900"/>
             </a:lvl3pPr>
             <a:lvl4pPr>
-              <a:defRPr sz="1600"/>
+              <a:defRPr sz="800"/>
             </a:lvl4pPr>
             <a:lvl5pPr>
-              <a:defRPr sz="1600"/>
+              <a:defRPr sz="800"/>
             </a:lvl5pPr>
             <a:lvl6pPr>
-              <a:defRPr sz="1600"/>
+              <a:defRPr sz="800"/>
             </a:lvl6pPr>
             <a:lvl7pPr>
-              <a:defRPr sz="1600"/>
+              <a:defRPr sz="800"/>
             </a:lvl7pPr>
             <a:lvl8pPr>
-              <a:defRPr sz="1600"/>
+              <a:defRPr sz="800"/>
             </a:lvl8pPr>
             <a:lvl9pPr>
-              <a:defRPr sz="1600"/>
+              <a:defRPr sz="800"/>
             </a:lvl9pPr>
           </a:lstStyle>
           <a:p>
@@ -2072,15 +2072,15 @@
         </p:nvSpPr>
         <p:spPr>
           <a:xfrm>
-            <a:off x="457201" y="218440"/>
-            <a:ext cx="3008313" cy="929640"/>
+            <a:off x="228601" y="109220"/>
+            <a:ext cx="1504157" cy="464820"/>
           </a:xfrm>
         </p:spPr>
         <p:txBody>
           <a:bodyPr anchor="b"/>
           <a:lstStyle>
             <a:lvl1pPr algn="l">
-              <a:defRPr sz="2000" b="1"/>
+              <a:defRPr sz="1000" b="1"/>
             </a:lvl1pPr>
           </a:lstStyle>
           <a:p>
@@ -2104,39 +2104,39 @@
         </p:nvSpPr>
         <p:spPr>
           <a:xfrm>
-            <a:off x="3575050" y="218441"/>
-            <a:ext cx="5111750" cy="4682490"/>
+            <a:off x="1787525" y="109221"/>
+            <a:ext cx="2555875" cy="2341245"/>
           </a:xfrm>
         </p:spPr>
         <p:txBody>
           <a:bodyPr/>
           <a:lstStyle>
             <a:lvl1pPr>
-              <a:defRPr sz="3200"/>
+              <a:defRPr sz="1600"/>
             </a:lvl1pPr>
             <a:lvl2pPr>
-              <a:defRPr sz="2800"/>
+              <a:defRPr sz="1400"/>
             </a:lvl2pPr>
             <a:lvl3pPr>
-              <a:defRPr sz="2400"/>
+              <a:defRPr sz="1200"/>
             </a:lvl3pPr>
             <a:lvl4pPr>
-              <a:defRPr sz="2000"/>
+              <a:defRPr sz="1000"/>
             </a:lvl4pPr>
             <a:lvl5pPr>
-              <a:defRPr sz="2000"/>
+              <a:defRPr sz="1000"/>
             </a:lvl5pPr>
             <a:lvl6pPr>
-              <a:defRPr sz="2000"/>
+              <a:defRPr sz="1000"/>
             </a:lvl6pPr>
             <a:lvl7pPr>
-              <a:defRPr sz="2000"/>
+              <a:defRPr sz="1000"/>
             </a:lvl7pPr>
             <a:lvl8pPr>
-              <a:defRPr sz="2000"/>
+              <a:defRPr sz="1000"/>
             </a:lvl8pPr>
             <a:lvl9pPr>
-              <a:defRPr sz="2000"/>
+              <a:defRPr sz="1000"/>
             </a:lvl9pPr>
           </a:lstStyle>
           <a:p>
@@ -2189,8 +2189,8 @@
         </p:nvSpPr>
         <p:spPr>
           <a:xfrm>
-            <a:off x="457201" y="1148081"/>
-            <a:ext cx="3008313" cy="3752850"/>
+            <a:off x="228601" y="574041"/>
+            <a:ext cx="1504157" cy="1876425"/>
           </a:xfrm>
         </p:spPr>
         <p:txBody>
@@ -2198,39 +2198,39 @@
           <a:lstStyle>
             <a:lvl1pPr marL="0" indent="0">
               <a:buNone/>
-              <a:defRPr sz="1400"/>
+              <a:defRPr sz="700"/>
             </a:lvl1pPr>
-            <a:lvl2pPr marL="457200" indent="0">
+            <a:lvl2pPr marL="228600" indent="0">
               <a:buNone/>
-              <a:defRPr sz="1200"/>
+              <a:defRPr sz="600"/>
             </a:lvl2pPr>
-            <a:lvl3pPr marL="914400" indent="0">
+            <a:lvl3pPr marL="457200" indent="0">
               <a:buNone/>
-              <a:defRPr sz="1000"/>
+              <a:defRPr sz="500"/>
             </a:lvl3pPr>
-            <a:lvl4pPr marL="1371600" indent="0">
+            <a:lvl4pPr marL="685800" indent="0">
               <a:buNone/>
-              <a:defRPr sz="900"/>
+              <a:defRPr sz="500"/>
             </a:lvl4pPr>
-            <a:lvl5pPr marL="1828800" indent="0">
+            <a:lvl5pPr marL="914400" indent="0">
               <a:buNone/>
-              <a:defRPr sz="900"/>
+              <a:defRPr sz="500"/>
             </a:lvl5pPr>
-            <a:lvl6pPr marL="2286000" indent="0">
+            <a:lvl6pPr marL="1143000" indent="0">
               <a:buNone/>
-              <a:defRPr sz="900"/>
+              <a:defRPr sz="500"/>
             </a:lvl6pPr>
-            <a:lvl7pPr marL="2743200" indent="0">
+            <a:lvl7pPr marL="1371600" indent="0">
               <a:buNone/>
-              <a:defRPr sz="900"/>
+              <a:defRPr sz="500"/>
             </a:lvl7pPr>
-            <a:lvl8pPr marL="3200400" indent="0">
+            <a:lvl8pPr marL="1600200" indent="0">
               <a:buNone/>
-              <a:defRPr sz="900"/>
+              <a:defRPr sz="500"/>
             </a:lvl8pPr>
-            <a:lvl9pPr marL="3657600" indent="0">
+            <a:lvl9pPr marL="1828800" indent="0">
               <a:buNone/>
-              <a:defRPr sz="900"/>
+              <a:defRPr sz="500"/>
             </a:lvl9pPr>
           </a:lstStyle>
           <a:p>
@@ -2349,15 +2349,15 @@
         </p:nvSpPr>
         <p:spPr>
           <a:xfrm>
-            <a:off x="1792288" y="3840480"/>
-            <a:ext cx="5486400" cy="453390"/>
+            <a:off x="896144" y="1920240"/>
+            <a:ext cx="2743200" cy="226695"/>
           </a:xfrm>
         </p:spPr>
         <p:txBody>
           <a:bodyPr anchor="b"/>
           <a:lstStyle>
             <a:lvl1pPr algn="l">
-              <a:defRPr sz="2000" b="1"/>
+              <a:defRPr sz="1000" b="1"/>
             </a:lvl1pPr>
           </a:lstStyle>
           <a:p>
@@ -2381,8 +2381,8 @@
         </p:nvSpPr>
         <p:spPr>
           <a:xfrm>
-            <a:off x="1792288" y="490220"/>
-            <a:ext cx="5486400" cy="3291840"/>
+            <a:off x="896144" y="245110"/>
+            <a:ext cx="2743200" cy="1645920"/>
           </a:xfrm>
         </p:spPr>
         <p:txBody>
@@ -2390,39 +2390,39 @@
           <a:lstStyle>
             <a:lvl1pPr marL="0" indent="0">
               <a:buNone/>
-              <a:defRPr sz="3200"/>
+              <a:defRPr sz="1600"/>
             </a:lvl1pPr>
-            <a:lvl2pPr marL="457200" indent="0">
+            <a:lvl2pPr marL="228600" indent="0">
               <a:buNone/>
-              <a:defRPr sz="2800"/>
+              <a:defRPr sz="1400"/>
             </a:lvl2pPr>
-            <a:lvl3pPr marL="914400" indent="0">
+            <a:lvl3pPr marL="457200" indent="0">
               <a:buNone/>
-              <a:defRPr sz="2400"/>
+              <a:defRPr sz="1200"/>
             </a:lvl3pPr>
-            <a:lvl4pPr marL="1371600" indent="0">
+            <a:lvl4pPr marL="685800" indent="0">
               <a:buNone/>
-              <a:defRPr sz="2000"/>
+              <a:defRPr sz="1000"/>
             </a:lvl4pPr>
-            <a:lvl5pPr marL="1828800" indent="0">
+            <a:lvl5pPr marL="914400" indent="0">
               <a:buNone/>
-              <a:defRPr sz="2000"/>
+              <a:defRPr sz="1000"/>
             </a:lvl5pPr>
-            <a:lvl6pPr marL="2286000" indent="0">
+            <a:lvl6pPr marL="1143000" indent="0">
               <a:buNone/>
-              <a:defRPr sz="2000"/>
+              <a:defRPr sz="1000"/>
             </a:lvl6pPr>
-            <a:lvl7pPr marL="2743200" indent="0">
+            <a:lvl7pPr marL="1371600" indent="0">
               <a:buNone/>
-              <a:defRPr sz="2000"/>
+              <a:defRPr sz="1000"/>
             </a:lvl7pPr>
-            <a:lvl8pPr marL="3200400" indent="0">
+            <a:lvl8pPr marL="1600200" indent="0">
               <a:buNone/>
-              <a:defRPr sz="2000"/>
+              <a:defRPr sz="1000"/>
             </a:lvl8pPr>
-            <a:lvl9pPr marL="3657600" indent="0">
+            <a:lvl9pPr marL="1828800" indent="0">
               <a:buNone/>
-              <a:defRPr sz="2000"/>
+              <a:defRPr sz="1000"/>
             </a:lvl9pPr>
           </a:lstStyle>
           <a:p>
@@ -2442,8 +2442,8 @@
         </p:nvSpPr>
         <p:spPr>
           <a:xfrm>
-            <a:off x="1792288" y="4293870"/>
-            <a:ext cx="5486400" cy="643890"/>
+            <a:off x="896144" y="2146935"/>
+            <a:ext cx="2743200" cy="321945"/>
           </a:xfrm>
         </p:spPr>
         <p:txBody>
@@ -2451,39 +2451,39 @@
           <a:lstStyle>
             <a:lvl1pPr marL="0" indent="0">
               <a:buNone/>
-              <a:defRPr sz="1400"/>
+              <a:defRPr sz="700"/>
             </a:lvl1pPr>
-            <a:lvl2pPr marL="457200" indent="0">
+            <a:lvl2pPr marL="228600" indent="0">
               <a:buNone/>
-              <a:defRPr sz="1200"/>
+              <a:defRPr sz="600"/>
             </a:lvl2pPr>
-            <a:lvl3pPr marL="914400" indent="0">
+            <a:lvl3pPr marL="457200" indent="0">
               <a:buNone/>
-              <a:defRPr sz="1000"/>
+              <a:defRPr sz="500"/>
             </a:lvl3pPr>
-            <a:lvl4pPr marL="1371600" indent="0">
+            <a:lvl4pPr marL="685800" indent="0">
               <a:buNone/>
-              <a:defRPr sz="900"/>
+              <a:defRPr sz="500"/>
             </a:lvl4pPr>
-            <a:lvl5pPr marL="1828800" indent="0">
+            <a:lvl5pPr marL="914400" indent="0">
               <a:buNone/>
-              <a:defRPr sz="900"/>
+              <a:defRPr sz="500"/>
             </a:lvl5pPr>
-            <a:lvl6pPr marL="2286000" indent="0">
+            <a:lvl6pPr marL="1143000" indent="0">
               <a:buNone/>
-              <a:defRPr sz="900"/>
+              <a:defRPr sz="500"/>
             </a:lvl6pPr>
-            <a:lvl7pPr marL="2743200" indent="0">
+            <a:lvl7pPr marL="1371600" indent="0">
               <a:buNone/>
-              <a:defRPr sz="900"/>
+              <a:defRPr sz="500"/>
             </a:lvl7pPr>
-            <a:lvl8pPr marL="3200400" indent="0">
+            <a:lvl8pPr marL="1600200" indent="0">
               <a:buNone/>
-              <a:defRPr sz="900"/>
+              <a:defRPr sz="500"/>
             </a:lvl8pPr>
-            <a:lvl9pPr marL="3657600" indent="0">
+            <a:lvl9pPr marL="1828800" indent="0">
               <a:buNone/>
-              <a:defRPr sz="900"/>
+              <a:defRPr sz="500"/>
             </a:lvl9pPr>
           </a:lstStyle>
           <a:p>
@@ -2607,15 +2607,15 @@
         </p:nvSpPr>
         <p:spPr>
           <a:xfrm>
-            <a:off x="457200" y="219710"/>
-            <a:ext cx="8229600" cy="914400"/>
+            <a:off x="228600" y="109855"/>
+            <a:ext cx="4114800" cy="457200"/>
           </a:xfrm>
           <a:prstGeom prst="rect">
             <a:avLst/>
           </a:prstGeom>
         </p:spPr>
         <p:txBody>
-          <a:bodyPr vert="horz" lIns="91440" tIns="45720" rIns="91440" bIns="45720" rtlCol="0" anchor="ctr">
+          <a:bodyPr vert="horz" lIns="45720" tIns="22860" rIns="45720" bIns="22860" rtlCol="0" anchor="ctr">
             <a:normAutofit/>
           </a:bodyPr>
           <a:lstStyle/>
@@ -2640,15 +2640,15 @@
         </p:nvSpPr>
         <p:spPr>
           <a:xfrm>
-            <a:off x="457200" y="1280161"/>
-            <a:ext cx="8229600" cy="3620770"/>
+            <a:off x="228600" y="640081"/>
+            <a:ext cx="4114800" cy="1810385"/>
           </a:xfrm>
           <a:prstGeom prst="rect">
             <a:avLst/>
           </a:prstGeom>
         </p:spPr>
         <p:txBody>
-          <a:bodyPr vert="horz" lIns="91440" tIns="45720" rIns="91440" bIns="45720" rtlCol="0">
+          <a:bodyPr vert="horz" lIns="45720" tIns="22860" rIns="45720" bIns="22860" rtlCol="0">
             <a:normAutofit/>
           </a:bodyPr>
           <a:lstStyle/>
@@ -2702,18 +2702,18 @@
         </p:nvSpPr>
         <p:spPr>
           <a:xfrm>
-            <a:off x="457200" y="5085080"/>
-            <a:ext cx="2133600" cy="292100"/>
+            <a:off x="228600" y="2542540"/>
+            <a:ext cx="1066800" cy="146050"/>
           </a:xfrm>
           <a:prstGeom prst="rect">
             <a:avLst/>
           </a:prstGeom>
         </p:spPr>
         <p:txBody>
-          <a:bodyPr vert="horz" lIns="91440" tIns="45720" rIns="91440" bIns="45720" rtlCol="0" anchor="ctr"/>
+          <a:bodyPr vert="horz" lIns="45720" tIns="22860" rIns="45720" bIns="22860" rtlCol="0" anchor="ctr"/>
           <a:lstStyle>
             <a:lvl1pPr algn="l">
-              <a:defRPr sz="1200">
+              <a:defRPr sz="600">
                 <a:solidFill>
                   <a:schemeClr val="tx1">
                     <a:tint val="75000"/>
@@ -2743,18 +2743,18 @@
         </p:nvSpPr>
         <p:spPr>
           <a:xfrm>
-            <a:off x="3124200" y="5085080"/>
-            <a:ext cx="2895600" cy="292100"/>
+            <a:off x="1562100" y="2542540"/>
+            <a:ext cx="1447800" cy="146050"/>
           </a:xfrm>
           <a:prstGeom prst="rect">
             <a:avLst/>
           </a:prstGeom>
         </p:spPr>
         <p:txBody>
-          <a:bodyPr vert="horz" lIns="91440" tIns="45720" rIns="91440" bIns="45720" rtlCol="0" anchor="ctr"/>
+          <a:bodyPr vert="horz" lIns="45720" tIns="22860" rIns="45720" bIns="22860" rtlCol="0" anchor="ctr"/>
           <a:lstStyle>
             <a:lvl1pPr algn="ctr">
-              <a:defRPr sz="1200">
+              <a:defRPr sz="600">
                 <a:solidFill>
                   <a:schemeClr val="tx1">
                     <a:tint val="75000"/>
@@ -2780,18 +2780,18 @@
         </p:nvSpPr>
         <p:spPr>
           <a:xfrm>
-            <a:off x="6553200" y="5085080"/>
-            <a:ext cx="2133600" cy="292100"/>
+            <a:off x="3276600" y="2542540"/>
+            <a:ext cx="1066800" cy="146050"/>
           </a:xfrm>
           <a:prstGeom prst="rect">
             <a:avLst/>
           </a:prstGeom>
         </p:spPr>
         <p:txBody>
-          <a:bodyPr vert="horz" lIns="91440" tIns="45720" rIns="91440" bIns="45720" rtlCol="0" anchor="ctr"/>
+          <a:bodyPr vert="horz" lIns="45720" tIns="22860" rIns="45720" bIns="22860" rtlCol="0" anchor="ctr"/>
           <a:lstStyle>
             <a:lvl1pPr algn="r">
-              <a:defRPr sz="1200">
+              <a:defRPr sz="600">
                 <a:solidFill>
                   <a:schemeClr val="tx1">
                     <a:tint val="75000"/>
@@ -2832,12 +2832,12 @@
   </p:sldLayoutIdLst>
   <p:txStyles>
     <p:titleStyle>
-      <a:lvl1pPr algn="ctr" defTabSz="457200" rtl="0" eaLnBrk="1" latinLnBrk="0" hangingPunct="1">
+      <a:lvl1pPr algn="ctr" defTabSz="228600" rtl="0" eaLnBrk="1" latinLnBrk="0" hangingPunct="1">
         <a:spcBef>
           <a:spcPct val="0"/>
         </a:spcBef>
         <a:buNone/>
-        <a:defRPr sz="4400" kern="1200">
+        <a:defRPr sz="2200" kern="1200">
           <a:solidFill>
             <a:schemeClr val="tx1"/>
           </a:solidFill>
@@ -2848,13 +2848,13 @@
       </a:lvl1pPr>
     </p:titleStyle>
     <p:bodyStyle>
-      <a:lvl1pPr marL="342900" indent="-342900" algn="l" defTabSz="457200" rtl="0" eaLnBrk="1" latinLnBrk="0" hangingPunct="1">
+      <a:lvl1pPr marL="171450" indent="-171450" algn="l" defTabSz="228600" rtl="0" eaLnBrk="1" latinLnBrk="0" hangingPunct="1">
         <a:spcBef>
           <a:spcPct val="20000"/>
         </a:spcBef>
         <a:buFont typeface="Arial"/>
         <a:buChar char="•"/>
-        <a:defRPr sz="3200" kern="1200">
+        <a:defRPr sz="1600" kern="1200">
           <a:solidFill>
             <a:schemeClr val="tx1"/>
           </a:solidFill>
@@ -2863,13 +2863,13 @@
           <a:cs typeface="+mn-cs"/>
         </a:defRPr>
       </a:lvl1pPr>
-      <a:lvl2pPr marL="742950" indent="-285750" algn="l" defTabSz="457200" rtl="0" eaLnBrk="1" latinLnBrk="0" hangingPunct="1">
+      <a:lvl2pPr marL="371475" indent="-142875" algn="l" defTabSz="228600" rtl="0" eaLnBrk="1" latinLnBrk="0" hangingPunct="1">
         <a:spcBef>
           <a:spcPct val="20000"/>
         </a:spcBef>
         <a:buFont typeface="Arial"/>
         <a:buChar char="–"/>
-        <a:defRPr sz="2800" kern="1200">
+        <a:defRPr sz="1400" kern="1200">
           <a:solidFill>
             <a:schemeClr val="tx1"/>
           </a:solidFill>
@@ -2878,13 +2878,13 @@
           <a:cs typeface="+mn-cs"/>
         </a:defRPr>
       </a:lvl2pPr>
-      <a:lvl3pPr marL="1143000" indent="-228600" algn="l" defTabSz="457200" rtl="0" eaLnBrk="1" latinLnBrk="0" hangingPunct="1">
+      <a:lvl3pPr marL="571500" indent="-114300" algn="l" defTabSz="228600" rtl="0" eaLnBrk="1" latinLnBrk="0" hangingPunct="1">
         <a:spcBef>
           <a:spcPct val="20000"/>
         </a:spcBef>
         <a:buFont typeface="Arial"/>
         <a:buChar char="•"/>
-        <a:defRPr sz="2400" kern="1200">
+        <a:defRPr sz="1200" kern="1200">
           <a:solidFill>
             <a:schemeClr val="tx1"/>
           </a:solidFill>
@@ -2893,13 +2893,13 @@
           <a:cs typeface="+mn-cs"/>
         </a:defRPr>
       </a:lvl3pPr>
-      <a:lvl4pPr marL="1600200" indent="-228600" algn="l" defTabSz="457200" rtl="0" eaLnBrk="1" latinLnBrk="0" hangingPunct="1">
+      <a:lvl4pPr marL="800100" indent="-114300" algn="l" defTabSz="228600" rtl="0" eaLnBrk="1" latinLnBrk="0" hangingPunct="1">
         <a:spcBef>
           <a:spcPct val="20000"/>
         </a:spcBef>
         <a:buFont typeface="Arial"/>
         <a:buChar char="–"/>
-        <a:defRPr sz="2000" kern="1200">
+        <a:defRPr sz="1000" kern="1200">
           <a:solidFill>
             <a:schemeClr val="tx1"/>
           </a:solidFill>
@@ -2908,13 +2908,13 @@
           <a:cs typeface="+mn-cs"/>
         </a:defRPr>
       </a:lvl4pPr>
-      <a:lvl5pPr marL="2057400" indent="-228600" algn="l" defTabSz="457200" rtl="0" eaLnBrk="1" latinLnBrk="0" hangingPunct="1">
+      <a:lvl5pPr marL="1028700" indent="-114300" algn="l" defTabSz="228600" rtl="0" eaLnBrk="1" latinLnBrk="0" hangingPunct="1">
         <a:spcBef>
           <a:spcPct val="20000"/>
         </a:spcBef>
         <a:buFont typeface="Arial"/>
         <a:buChar char="»"/>
-        <a:defRPr sz="2000" kern="1200">
+        <a:defRPr sz="1000" kern="1200">
           <a:solidFill>
             <a:schemeClr val="tx1"/>
           </a:solidFill>
@@ -2923,13 +2923,13 @@
           <a:cs typeface="+mn-cs"/>
         </a:defRPr>
       </a:lvl5pPr>
-      <a:lvl6pPr marL="2514600" indent="-228600" algn="l" defTabSz="457200" rtl="0" eaLnBrk="1" latinLnBrk="0" hangingPunct="1">
+      <a:lvl6pPr marL="1257300" indent="-114300" algn="l" defTabSz="228600" rtl="0" eaLnBrk="1" latinLnBrk="0" hangingPunct="1">
         <a:spcBef>
           <a:spcPct val="20000"/>
         </a:spcBef>
         <a:buFont typeface="Arial"/>
         <a:buChar char="•"/>
-        <a:defRPr sz="2000" kern="1200">
+        <a:defRPr sz="1000" kern="1200">
           <a:solidFill>
             <a:schemeClr val="tx1"/>
           </a:solidFill>
@@ -2938,13 +2938,13 @@
           <a:cs typeface="+mn-cs"/>
         </a:defRPr>
       </a:lvl6pPr>
-      <a:lvl7pPr marL="2971800" indent="-228600" algn="l" defTabSz="457200" rtl="0" eaLnBrk="1" latinLnBrk="0" hangingPunct="1">
+      <a:lvl7pPr marL="1485900" indent="-114300" algn="l" defTabSz="228600" rtl="0" eaLnBrk="1" latinLnBrk="0" hangingPunct="1">
         <a:spcBef>
           <a:spcPct val="20000"/>
         </a:spcBef>
         <a:buFont typeface="Arial"/>
         <a:buChar char="•"/>
-        <a:defRPr sz="2000" kern="1200">
+        <a:defRPr sz="1000" kern="1200">
           <a:solidFill>
             <a:schemeClr val="tx1"/>
           </a:solidFill>
@@ -2953,13 +2953,13 @@
           <a:cs typeface="+mn-cs"/>
         </a:defRPr>
       </a:lvl7pPr>
-      <a:lvl8pPr marL="3429000" indent="-228600" algn="l" defTabSz="457200" rtl="0" eaLnBrk="1" latinLnBrk="0" hangingPunct="1">
+      <a:lvl8pPr marL="1714500" indent="-114300" algn="l" defTabSz="228600" rtl="0" eaLnBrk="1" latinLnBrk="0" hangingPunct="1">
         <a:spcBef>
           <a:spcPct val="20000"/>
         </a:spcBef>
         <a:buFont typeface="Arial"/>
         <a:buChar char="•"/>
-        <a:defRPr sz="2000" kern="1200">
+        <a:defRPr sz="1000" kern="1200">
           <a:solidFill>
             <a:schemeClr val="tx1"/>
           </a:solidFill>
@@ -2968,13 +2968,13 @@
           <a:cs typeface="+mn-cs"/>
         </a:defRPr>
       </a:lvl8pPr>
-      <a:lvl9pPr marL="3886200" indent="-228600" algn="l" defTabSz="457200" rtl="0" eaLnBrk="1" latinLnBrk="0" hangingPunct="1">
+      <a:lvl9pPr marL="1943100" indent="-114300" algn="l" defTabSz="228600" rtl="0" eaLnBrk="1" latinLnBrk="0" hangingPunct="1">
         <a:spcBef>
           <a:spcPct val="20000"/>
         </a:spcBef>
         <a:buFont typeface="Arial"/>
         <a:buChar char="•"/>
-        <a:defRPr sz="2000" kern="1200">
+        <a:defRPr sz="1000" kern="1200">
           <a:solidFill>
             <a:schemeClr val="tx1"/>
           </a:solidFill>
@@ -2988,8 +2988,8 @@
       <a:defPPr>
         <a:defRPr lang="en-US"/>
       </a:defPPr>
-      <a:lvl1pPr marL="0" algn="l" defTabSz="457200" rtl="0" eaLnBrk="1" latinLnBrk="0" hangingPunct="1">
-        <a:defRPr sz="1800" kern="1200">
+      <a:lvl1pPr marL="0" algn="l" defTabSz="228600" rtl="0" eaLnBrk="1" latinLnBrk="0" hangingPunct="1">
+        <a:defRPr sz="900" kern="1200">
           <a:solidFill>
             <a:schemeClr val="tx1"/>
           </a:solidFill>
@@ -2998,8 +2998,8 @@
           <a:cs typeface="+mn-cs"/>
         </a:defRPr>
       </a:lvl1pPr>
-      <a:lvl2pPr marL="457200" algn="l" defTabSz="457200" rtl="0" eaLnBrk="1" latinLnBrk="0" hangingPunct="1">
-        <a:defRPr sz="1800" kern="1200">
+      <a:lvl2pPr marL="228600" algn="l" defTabSz="228600" rtl="0" eaLnBrk="1" latinLnBrk="0" hangingPunct="1">
+        <a:defRPr sz="900" kern="1200">
           <a:solidFill>
             <a:schemeClr val="tx1"/>
           </a:solidFill>
@@ -3008,8 +3008,8 @@
           <a:cs typeface="+mn-cs"/>
         </a:defRPr>
       </a:lvl2pPr>
-      <a:lvl3pPr marL="914400" algn="l" defTabSz="457200" rtl="0" eaLnBrk="1" latinLnBrk="0" hangingPunct="1">
-        <a:defRPr sz="1800" kern="1200">
+      <a:lvl3pPr marL="457200" algn="l" defTabSz="228600" rtl="0" eaLnBrk="1" latinLnBrk="0" hangingPunct="1">
+        <a:defRPr sz="900" kern="1200">
           <a:solidFill>
             <a:schemeClr val="tx1"/>
           </a:solidFill>
@@ -3018,8 +3018,8 @@
           <a:cs typeface="+mn-cs"/>
         </a:defRPr>
       </a:lvl3pPr>
-      <a:lvl4pPr marL="1371600" algn="l" defTabSz="457200" rtl="0" eaLnBrk="1" latinLnBrk="0" hangingPunct="1">
-        <a:defRPr sz="1800" kern="1200">
+      <a:lvl4pPr marL="685800" algn="l" defTabSz="228600" rtl="0" eaLnBrk="1" latinLnBrk="0" hangingPunct="1">
+        <a:defRPr sz="900" kern="1200">
           <a:solidFill>
             <a:schemeClr val="tx1"/>
           </a:solidFill>
@@ -3028,8 +3028,8 @@
           <a:cs typeface="+mn-cs"/>
         </a:defRPr>
       </a:lvl4pPr>
-      <a:lvl5pPr marL="1828800" algn="l" defTabSz="457200" rtl="0" eaLnBrk="1" latinLnBrk="0" hangingPunct="1">
-        <a:defRPr sz="1800" kern="1200">
+      <a:lvl5pPr marL="914400" algn="l" defTabSz="228600" rtl="0" eaLnBrk="1" latinLnBrk="0" hangingPunct="1">
+        <a:defRPr sz="900" kern="1200">
           <a:solidFill>
             <a:schemeClr val="tx1"/>
           </a:solidFill>
@@ -3038,8 +3038,8 @@
           <a:cs typeface="+mn-cs"/>
         </a:defRPr>
       </a:lvl5pPr>
-      <a:lvl6pPr marL="2286000" algn="l" defTabSz="457200" rtl="0" eaLnBrk="1" latinLnBrk="0" hangingPunct="1">
-        <a:defRPr sz="1800" kern="1200">
+      <a:lvl6pPr marL="1143000" algn="l" defTabSz="228600" rtl="0" eaLnBrk="1" latinLnBrk="0" hangingPunct="1">
+        <a:defRPr sz="900" kern="1200">
           <a:solidFill>
             <a:schemeClr val="tx1"/>
           </a:solidFill>
@@ -3048,8 +3048,8 @@
           <a:cs typeface="+mn-cs"/>
         </a:defRPr>
       </a:lvl6pPr>
-      <a:lvl7pPr marL="2743200" algn="l" defTabSz="457200" rtl="0" eaLnBrk="1" latinLnBrk="0" hangingPunct="1">
-        <a:defRPr sz="1800" kern="1200">
+      <a:lvl7pPr marL="1371600" algn="l" defTabSz="228600" rtl="0" eaLnBrk="1" latinLnBrk="0" hangingPunct="1">
+        <a:defRPr sz="900" kern="1200">
           <a:solidFill>
             <a:schemeClr val="tx1"/>
           </a:solidFill>
@@ -3058,8 +3058,8 @@
           <a:cs typeface="+mn-cs"/>
         </a:defRPr>
       </a:lvl7pPr>
-      <a:lvl8pPr marL="3200400" algn="l" defTabSz="457200" rtl="0" eaLnBrk="1" latinLnBrk="0" hangingPunct="1">
-        <a:defRPr sz="1800" kern="1200">
+      <a:lvl8pPr marL="1600200" algn="l" defTabSz="228600" rtl="0" eaLnBrk="1" latinLnBrk="0" hangingPunct="1">
+        <a:defRPr sz="900" kern="1200">
           <a:solidFill>
             <a:schemeClr val="tx1"/>
           </a:solidFill>
@@ -3068,8 +3068,8 @@
           <a:cs typeface="+mn-cs"/>
         </a:defRPr>
       </a:lvl8pPr>
-      <a:lvl9pPr marL="3657600" algn="l" defTabSz="457200" rtl="0" eaLnBrk="1" latinLnBrk="0" hangingPunct="1">
-        <a:defRPr sz="1800" kern="1200">
+      <a:lvl9pPr marL="1828800" algn="l" defTabSz="228600" rtl="0" eaLnBrk="1" latinLnBrk="0" hangingPunct="1">
+        <a:defRPr sz="900" kern="1200">
           <a:solidFill>
             <a:schemeClr val="tx1"/>
           </a:solidFill>
@@ -3122,8 +3122,8 @@
         </p:blipFill>
         <p:spPr>
           <a:xfrm rot="5400000">
-            <a:off x="15875" y="-15588"/>
-            <a:ext cx="5544642" cy="5486400"/>
+            <a:off x="7938" y="-7794"/>
+            <a:ext cx="2772321" cy="2743200"/>
           </a:xfrm>
           <a:prstGeom prst="rect">
             <a:avLst/>
@@ -3138,8 +3138,8 @@
         </p:nvSpPr>
         <p:spPr>
           <a:xfrm>
-            <a:off x="5508116" y="1442375"/>
-            <a:ext cx="3124651" cy="2308324"/>
+            <a:off x="2754058" y="721188"/>
+            <a:ext cx="1562326" cy="1154162"/>
           </a:xfrm>
           <a:prstGeom prst="rect">
             <a:avLst/>
@@ -3147,14 +3147,14 @@
           <a:noFill/>
         </p:spPr>
         <p:txBody>
-          <a:bodyPr wrap="square" rtlCol="0">
+          <a:bodyPr wrap="square" lIns="45720" tIns="22860" rIns="45720" bIns="22860" rtlCol="0">
             <a:spAutoFit/>
           </a:bodyPr>
           <a:lstStyle/>
           <a:p>
             <a:pPr algn="ctr"/>
             <a:r>
-              <a:rPr lang="en-US" sz="2400" dirty="0">
+              <a:rPr lang="en-US" sz="1200" dirty="0">
                 <a:latin typeface="Times New Roman"/>
                 <a:cs typeface="Times New Roman"/>
               </a:rPr>
@@ -3163,7 +3163,7 @@
           </a:p>
           <a:p>
             <a:pPr algn="ctr"/>
-            <a:endParaRPr lang="en-US" sz="2400" dirty="0" smtClean="0">
+            <a:endParaRPr lang="en-US" sz="1200" dirty="0">
               <a:latin typeface="Times New Roman"/>
               <a:cs typeface="Times New Roman"/>
             </a:endParaRPr>
@@ -3171,7 +3171,7 @@
           <a:p>
             <a:pPr algn="ctr"/>
             <a:r>
-              <a:rPr lang="en-US" sz="2400" dirty="0" smtClean="0">
+              <a:rPr lang="en-US" sz="1200" dirty="0">
                 <a:latin typeface="Times New Roman"/>
                 <a:cs typeface="Times New Roman"/>
               </a:rPr>
@@ -3181,14 +3181,14 @@
           <a:p>
             <a:pPr algn="ctr"/>
             <a:r>
-              <a:rPr lang="en-US" sz="2400" dirty="0">
+              <a:rPr lang="en-US" sz="1200" dirty="0">
                 <a:latin typeface="Times New Roman"/>
                 <a:cs typeface="Times New Roman"/>
               </a:rPr>
               <a:t>s</a:t>
             </a:r>
             <a:r>
-              <a:rPr lang="en-US" sz="2400" dirty="0" smtClean="0">
+              <a:rPr lang="en-US" sz="1200" dirty="0">
                 <a:latin typeface="Times New Roman"/>
                 <a:cs typeface="Times New Roman"/>
               </a:rPr>
@@ -3197,14 +3197,14 @@
           </a:p>
           <a:p>
             <a:pPr algn="ctr"/>
-            <a:endParaRPr lang="en-US" sz="2400" dirty="0" smtClean="0">
+            <a:endParaRPr lang="en-US" sz="1200" dirty="0">
               <a:latin typeface="Times New Roman"/>
               <a:cs typeface="Times New Roman"/>
             </a:endParaRPr>
           </a:p>
           <a:p>
             <a:pPr algn="ctr"/>
-            <a:endParaRPr lang="en-US" sz="2400" dirty="0">
+            <a:endParaRPr lang="en-US" sz="1200" dirty="0">
               <a:latin typeface="Times New Roman"/>
               <a:cs typeface="Times New Roman"/>
             </a:endParaRPr>
@@ -3219,8 +3219,8 @@
         </p:nvSpPr>
         <p:spPr>
           <a:xfrm>
-            <a:off x="1350596" y="1026876"/>
-            <a:ext cx="2849743" cy="830997"/>
+            <a:off x="675298" y="513438"/>
+            <a:ext cx="1424872" cy="415499"/>
           </a:xfrm>
           <a:prstGeom prst="rect">
             <a:avLst/>
@@ -3228,41 +3228,41 @@
           <a:noFill/>
         </p:spPr>
         <p:txBody>
-          <a:bodyPr wrap="square" rtlCol="0">
+          <a:bodyPr wrap="square" lIns="45720" tIns="22860" rIns="45720" bIns="22860" rtlCol="0">
             <a:spAutoFit/>
           </a:bodyPr>
           <a:lstStyle/>
           <a:p>
             <a:pPr algn="ctr"/>
             <a:r>
-              <a:rPr lang="en-US" sz="2400" dirty="0" err="1" smtClean="0">
+              <a:rPr lang="en-US" sz="1200" dirty="0" err="1">
                 <a:latin typeface="Times New Roman"/>
                 <a:cs typeface="Times New Roman"/>
               </a:rPr>
               <a:t>Kilobots</a:t>
             </a:r>
             <a:r>
-              <a:rPr lang="en-US" sz="2400" dirty="0" smtClean="0">
+              <a:rPr lang="en-US" sz="1200" dirty="0">
                 <a:latin typeface="Times New Roman"/>
                 <a:cs typeface="Times New Roman"/>
               </a:rPr>
               <a:t> with </a:t>
             </a:r>
             <a:r>
-              <a:rPr lang="en-US" sz="2400" dirty="0" err="1" smtClean="0">
+              <a:rPr lang="en-US" sz="1200" dirty="0" err="1">
                 <a:latin typeface="Times New Roman"/>
                 <a:cs typeface="Times New Roman"/>
               </a:rPr>
               <a:t>photophile</a:t>
             </a:r>
             <a:r>
-              <a:rPr lang="en-US" sz="2400" dirty="0" smtClean="0">
+              <a:rPr lang="en-US" sz="1200" dirty="0">
                 <a:latin typeface="Times New Roman"/>
                 <a:cs typeface="Times New Roman"/>
               </a:rPr>
               <a:t> behavior</a:t>
             </a:r>
-            <a:endParaRPr lang="en-US" sz="2400" dirty="0">
+            <a:endParaRPr lang="en-US" sz="1200" dirty="0">
               <a:latin typeface="Times New Roman"/>
               <a:cs typeface="Times New Roman"/>
             </a:endParaRPr>
@@ -3277,8 +3277,8 @@
         </p:nvGrpSpPr>
         <p:grpSpPr>
           <a:xfrm>
-            <a:off x="8237813" y="2410351"/>
-            <a:ext cx="858298" cy="562038"/>
+            <a:off x="4118907" y="1205176"/>
+            <a:ext cx="429149" cy="281019"/>
             <a:chOff x="8237813" y="2410351"/>
             <a:chExt cx="858298" cy="562038"/>
           </a:xfrm>
@@ -3991,8 +3991,8 @@
         </p:nvGrpSpPr>
         <p:grpSpPr>
           <a:xfrm rot="19547206">
-            <a:off x="8200780" y="202601"/>
-            <a:ext cx="858298" cy="562038"/>
+            <a:off x="4100390" y="101300"/>
+            <a:ext cx="429149" cy="281019"/>
             <a:chOff x="8058385" y="929759"/>
             <a:chExt cx="858298" cy="562038"/>
           </a:xfrm>
@@ -4685,8 +4685,8 @@
         </p:nvGrpSpPr>
         <p:grpSpPr>
           <a:xfrm rot="2196326">
-            <a:off x="8260520" y="4839589"/>
-            <a:ext cx="858298" cy="562038"/>
+            <a:off x="4130260" y="2419795"/>
+            <a:ext cx="429149" cy="281019"/>
             <a:chOff x="8058385" y="929759"/>
             <a:chExt cx="858298" cy="562038"/>
           </a:xfrm>
@@ -5379,8 +5379,8 @@
         </p:nvGrpSpPr>
         <p:grpSpPr>
           <a:xfrm>
-            <a:off x="8475066" y="2023647"/>
-            <a:ext cx="77535" cy="1348280"/>
+            <a:off x="4237533" y="1011824"/>
+            <a:ext cx="38768" cy="674140"/>
             <a:chOff x="8475066" y="2023647"/>
             <a:chExt cx="77535" cy="1348280"/>
           </a:xfrm>
@@ -5484,8 +5484,8 @@
         </p:nvGrpSpPr>
         <p:grpSpPr>
           <a:xfrm rot="18900000">
-            <a:off x="8453769" y="2065731"/>
-            <a:ext cx="77535" cy="1348280"/>
+            <a:off x="4226885" y="1032866"/>
+            <a:ext cx="38768" cy="674140"/>
             <a:chOff x="8475066" y="2023647"/>
             <a:chExt cx="77535" cy="1348280"/>
           </a:xfrm>
@@ -5589,8 +5589,8 @@
         </p:nvGrpSpPr>
         <p:grpSpPr>
           <a:xfrm rot="13500000">
-            <a:off x="8433624" y="2004263"/>
-            <a:ext cx="77535" cy="1348280"/>
+            <a:off x="4216812" y="1002132"/>
+            <a:ext cx="38768" cy="674140"/>
             <a:chOff x="8475066" y="2023647"/>
             <a:chExt cx="77535" cy="1348280"/>
           </a:xfrm>
@@ -5694,8 +5694,8 @@
         </p:nvSpPr>
         <p:spPr>
           <a:xfrm rot="16200000">
-            <a:off x="7918594" y="2547458"/>
-            <a:ext cx="77535" cy="319345"/>
+            <a:off x="3959297" y="1273729"/>
+            <a:ext cx="38768" cy="159673"/>
           </a:xfrm>
           <a:prstGeom prst="rect">
             <a:avLst/>
@@ -5723,7 +5723,7 @@
           </a:fontRef>
         </p:style>
         <p:txBody>
-          <a:bodyPr rtlCol="0" anchor="ctr"/>
+          <a:bodyPr lIns="45720" tIns="22860" rIns="45720" bIns="22860" rtlCol="0" anchor="ctr"/>
           <a:lstStyle/>
           <a:p>
             <a:pPr algn="ctr"/>
@@ -5739,10 +5739,10 @@
         </p:nvGrpSpPr>
         <p:grpSpPr>
           <a:xfrm>
-            <a:off x="5844229" y="2929238"/>
-            <a:ext cx="1828666" cy="2408802"/>
+            <a:off x="2922115" y="1464619"/>
+            <a:ext cx="914333" cy="1435275"/>
             <a:chOff x="5588966" y="2461323"/>
-            <a:chExt cx="2266729" cy="3212710"/>
+            <a:chExt cx="2266729" cy="3828561"/>
           </a:xfrm>
         </p:grpSpPr>
         <p:sp>
@@ -5753,8 +5753,8 @@
           </p:nvSpPr>
           <p:spPr>
             <a:xfrm>
-              <a:off x="6453258" y="5304701"/>
-              <a:ext cx="855351" cy="369332"/>
+              <a:off x="6453257" y="5304700"/>
+              <a:ext cx="855351" cy="985184"/>
             </a:xfrm>
             <a:prstGeom prst="rect">
               <a:avLst/>
@@ -5859,8 +5859,8 @@
         </p:nvSpPr>
         <p:spPr bwMode="auto">
           <a:xfrm>
-            <a:off x="5813914" y="3062425"/>
-            <a:ext cx="1954231" cy="1892088"/>
+            <a:off x="2906957" y="1531213"/>
+            <a:ext cx="977116" cy="946044"/>
           </a:xfrm>
           <a:prstGeom prst="ellipse">
             <a:avLst/>
@@ -5885,7 +5885,7 @@
           </a:extLst>
         </p:spPr>
         <p:txBody>
-          <a:bodyPr/>
+          <a:bodyPr lIns="45720" tIns="22860" rIns="45720" bIns="22860"/>
           <a:lstStyle/>
           <a:p>
             <a:endParaRPr lang="en-US">
@@ -5906,8 +5906,8 @@
         </p:nvCxnSpPr>
         <p:spPr bwMode="auto">
           <a:xfrm flipH="1">
-            <a:off x="5270500" y="3062425"/>
-            <a:ext cx="1520530" cy="120080"/>
+            <a:off x="2635250" y="1531213"/>
+            <a:ext cx="760265" cy="60040"/>
           </a:xfrm>
           <a:prstGeom prst="line">
             <a:avLst/>
@@ -5941,8 +5941,8 @@
         </p:nvCxnSpPr>
         <p:spPr bwMode="auto">
           <a:xfrm>
-            <a:off x="5159375" y="3371927"/>
-            <a:ext cx="940730" cy="1305496"/>
+            <a:off x="2579688" y="1685964"/>
+            <a:ext cx="470365" cy="652748"/>
           </a:xfrm>
           <a:prstGeom prst="line">
             <a:avLst/>
@@ -5973,8 +5973,8 @@
         </p:nvSpPr>
         <p:spPr>
           <a:xfrm>
-            <a:off x="7983288" y="4148063"/>
-            <a:ext cx="690048" cy="276915"/>
+            <a:off x="3991644" y="2074032"/>
+            <a:ext cx="345024" cy="184666"/>
           </a:xfrm>
           <a:prstGeom prst="rect">
             <a:avLst/>
@@ -5982,7 +5982,7 @@
           <a:noFill/>
         </p:spPr>
         <p:txBody>
-          <a:bodyPr wrap="square" rtlCol="0">
+          <a:bodyPr wrap="square" lIns="45720" tIns="22860" rIns="45720" bIns="22860" rtlCol="0">
             <a:spAutoFit/>
           </a:bodyPr>
           <a:lstStyle/>
@@ -6009,8 +6009,8 @@
         </p:nvCxnSpPr>
         <p:spPr>
           <a:xfrm>
-            <a:off x="7907754" y="3750699"/>
-            <a:ext cx="0" cy="1168260"/>
+            <a:off x="3953877" y="1875350"/>
+            <a:ext cx="0" cy="584130"/>
           </a:xfrm>
           <a:prstGeom prst="straightConnector1">
             <a:avLst/>

--- a/RA-L/pictures/pdf/IntroSwarmPic.pptx
+++ b/RA-L/pictures/pdf/IntroSwarmPic.pptx
@@ -7,14 +7,14 @@
   <p:sldIdLst>
     <p:sldId id="256" r:id="rId2"/>
   </p:sldIdLst>
-  <p:sldSz cx="4572000" cy="2743200"/>
+  <p:sldSz cx="9144000" cy="5486400"/>
   <p:notesSz cx="6858000" cy="9144000"/>
   <p:defaultTextStyle>
     <a:defPPr>
       <a:defRPr lang="en-US"/>
     </a:defPPr>
-    <a:lvl1pPr marL="0" algn="l" defTabSz="228600" rtl="0" eaLnBrk="1" latinLnBrk="0" hangingPunct="1">
-      <a:defRPr sz="900" kern="1200">
+    <a:lvl1pPr marL="0" algn="l" defTabSz="457200" rtl="0" eaLnBrk="1" latinLnBrk="0" hangingPunct="1">
+      <a:defRPr sz="1800" kern="1200">
         <a:solidFill>
           <a:schemeClr val="tx1"/>
         </a:solidFill>
@@ -23,8 +23,8 @@
         <a:cs typeface="+mn-cs"/>
       </a:defRPr>
     </a:lvl1pPr>
-    <a:lvl2pPr marL="228600" algn="l" defTabSz="228600" rtl="0" eaLnBrk="1" latinLnBrk="0" hangingPunct="1">
-      <a:defRPr sz="900" kern="1200">
+    <a:lvl2pPr marL="457200" algn="l" defTabSz="457200" rtl="0" eaLnBrk="1" latinLnBrk="0" hangingPunct="1">
+      <a:defRPr sz="1800" kern="1200">
         <a:solidFill>
           <a:schemeClr val="tx1"/>
         </a:solidFill>
@@ -33,8 +33,8 @@
         <a:cs typeface="+mn-cs"/>
       </a:defRPr>
     </a:lvl2pPr>
-    <a:lvl3pPr marL="457200" algn="l" defTabSz="228600" rtl="0" eaLnBrk="1" latinLnBrk="0" hangingPunct="1">
-      <a:defRPr sz="900" kern="1200">
+    <a:lvl3pPr marL="914400" algn="l" defTabSz="457200" rtl="0" eaLnBrk="1" latinLnBrk="0" hangingPunct="1">
+      <a:defRPr sz="1800" kern="1200">
         <a:solidFill>
           <a:schemeClr val="tx1"/>
         </a:solidFill>
@@ -43,8 +43,8 @@
         <a:cs typeface="+mn-cs"/>
       </a:defRPr>
     </a:lvl3pPr>
-    <a:lvl4pPr marL="685800" algn="l" defTabSz="228600" rtl="0" eaLnBrk="1" latinLnBrk="0" hangingPunct="1">
-      <a:defRPr sz="900" kern="1200">
+    <a:lvl4pPr marL="1371600" algn="l" defTabSz="457200" rtl="0" eaLnBrk="1" latinLnBrk="0" hangingPunct="1">
+      <a:defRPr sz="1800" kern="1200">
         <a:solidFill>
           <a:schemeClr val="tx1"/>
         </a:solidFill>
@@ -53,8 +53,8 @@
         <a:cs typeface="+mn-cs"/>
       </a:defRPr>
     </a:lvl4pPr>
-    <a:lvl5pPr marL="914400" algn="l" defTabSz="228600" rtl="0" eaLnBrk="1" latinLnBrk="0" hangingPunct="1">
-      <a:defRPr sz="900" kern="1200">
+    <a:lvl5pPr marL="1828800" algn="l" defTabSz="457200" rtl="0" eaLnBrk="1" latinLnBrk="0" hangingPunct="1">
+      <a:defRPr sz="1800" kern="1200">
         <a:solidFill>
           <a:schemeClr val="tx1"/>
         </a:solidFill>
@@ -63,8 +63,8 @@
         <a:cs typeface="+mn-cs"/>
       </a:defRPr>
     </a:lvl5pPr>
-    <a:lvl6pPr marL="1143000" algn="l" defTabSz="228600" rtl="0" eaLnBrk="1" latinLnBrk="0" hangingPunct="1">
-      <a:defRPr sz="900" kern="1200">
+    <a:lvl6pPr marL="2286000" algn="l" defTabSz="457200" rtl="0" eaLnBrk="1" latinLnBrk="0" hangingPunct="1">
+      <a:defRPr sz="1800" kern="1200">
         <a:solidFill>
           <a:schemeClr val="tx1"/>
         </a:solidFill>
@@ -73,8 +73,8 @@
         <a:cs typeface="+mn-cs"/>
       </a:defRPr>
     </a:lvl6pPr>
-    <a:lvl7pPr marL="1371600" algn="l" defTabSz="228600" rtl="0" eaLnBrk="1" latinLnBrk="0" hangingPunct="1">
-      <a:defRPr sz="900" kern="1200">
+    <a:lvl7pPr marL="2743200" algn="l" defTabSz="457200" rtl="0" eaLnBrk="1" latinLnBrk="0" hangingPunct="1">
+      <a:defRPr sz="1800" kern="1200">
         <a:solidFill>
           <a:schemeClr val="tx1"/>
         </a:solidFill>
@@ -83,8 +83,8 @@
         <a:cs typeface="+mn-cs"/>
       </a:defRPr>
     </a:lvl7pPr>
-    <a:lvl8pPr marL="1600200" algn="l" defTabSz="228600" rtl="0" eaLnBrk="1" latinLnBrk="0" hangingPunct="1">
-      <a:defRPr sz="900" kern="1200">
+    <a:lvl8pPr marL="3200400" algn="l" defTabSz="457200" rtl="0" eaLnBrk="1" latinLnBrk="0" hangingPunct="1">
+      <a:defRPr sz="1800" kern="1200">
         <a:solidFill>
           <a:schemeClr val="tx1"/>
         </a:solidFill>
@@ -93,8 +93,8 @@
         <a:cs typeface="+mn-cs"/>
       </a:defRPr>
     </a:lvl8pPr>
-    <a:lvl9pPr marL="1828800" algn="l" defTabSz="228600" rtl="0" eaLnBrk="1" latinLnBrk="0" hangingPunct="1">
-      <a:defRPr sz="900" kern="1200">
+    <a:lvl9pPr marL="3657600" algn="l" defTabSz="457200" rtl="0" eaLnBrk="1" latinLnBrk="0" hangingPunct="1">
+      <a:defRPr sz="1800" kern="1200">
         <a:solidFill>
           <a:schemeClr val="tx1"/>
         </a:solidFill>
@@ -136,8 +136,8 @@
         </p:nvSpPr>
         <p:spPr>
           <a:xfrm>
-            <a:off x="342900" y="852170"/>
-            <a:ext cx="3886200" cy="588010"/>
+            <a:off x="685800" y="1704340"/>
+            <a:ext cx="7772400" cy="1176020"/>
           </a:xfrm>
         </p:spPr>
         <p:txBody>
@@ -164,8 +164,8 @@
         </p:nvSpPr>
         <p:spPr>
           <a:xfrm>
-            <a:off x="685800" y="1554480"/>
-            <a:ext cx="3200400" cy="701040"/>
+            <a:off x="1371600" y="3108960"/>
+            <a:ext cx="6400800" cy="1402080"/>
           </a:xfrm>
         </p:spPr>
         <p:txBody>
@@ -181,7 +181,7 @@
                 </a:solidFill>
               </a:defRPr>
             </a:lvl1pPr>
-            <a:lvl2pPr marL="228600" indent="0" algn="ctr">
+            <a:lvl2pPr marL="457200" indent="0" algn="ctr">
               <a:buNone/>
               <a:defRPr>
                 <a:solidFill>
@@ -191,7 +191,7 @@
                 </a:solidFill>
               </a:defRPr>
             </a:lvl2pPr>
-            <a:lvl3pPr marL="457200" indent="0" algn="ctr">
+            <a:lvl3pPr marL="914400" indent="0" algn="ctr">
               <a:buNone/>
               <a:defRPr>
                 <a:solidFill>
@@ -201,7 +201,7 @@
                 </a:solidFill>
               </a:defRPr>
             </a:lvl3pPr>
-            <a:lvl4pPr marL="685800" indent="0" algn="ctr">
+            <a:lvl4pPr marL="1371600" indent="0" algn="ctr">
               <a:buNone/>
               <a:defRPr>
                 <a:solidFill>
@@ -211,7 +211,7 @@
                 </a:solidFill>
               </a:defRPr>
             </a:lvl4pPr>
-            <a:lvl5pPr marL="914400" indent="0" algn="ctr">
+            <a:lvl5pPr marL="1828800" indent="0" algn="ctr">
               <a:buNone/>
               <a:defRPr>
                 <a:solidFill>
@@ -221,7 +221,7 @@
                 </a:solidFill>
               </a:defRPr>
             </a:lvl5pPr>
-            <a:lvl6pPr marL="1143000" indent="0" algn="ctr">
+            <a:lvl6pPr marL="2286000" indent="0" algn="ctr">
               <a:buNone/>
               <a:defRPr>
                 <a:solidFill>
@@ -231,7 +231,7 @@
                 </a:solidFill>
               </a:defRPr>
             </a:lvl6pPr>
-            <a:lvl7pPr marL="1371600" indent="0" algn="ctr">
+            <a:lvl7pPr marL="2743200" indent="0" algn="ctr">
               <a:buNone/>
               <a:defRPr>
                 <a:solidFill>
@@ -241,7 +241,7 @@
                 </a:solidFill>
               </a:defRPr>
             </a:lvl7pPr>
-            <a:lvl8pPr marL="1600200" indent="0" algn="ctr">
+            <a:lvl8pPr marL="3200400" indent="0" algn="ctr">
               <a:buNone/>
               <a:defRPr>
                 <a:solidFill>
@@ -251,7 +251,7 @@
                 </a:solidFill>
               </a:defRPr>
             </a:lvl8pPr>
-            <a:lvl9pPr marL="1828800" indent="0" algn="ctr">
+            <a:lvl9pPr marL="3657600" indent="0" algn="ctr">
               <a:buNone/>
               <a:defRPr>
                 <a:solidFill>
@@ -548,8 +548,8 @@
         </p:nvSpPr>
         <p:spPr>
           <a:xfrm>
-            <a:off x="3314700" y="87630"/>
-            <a:ext cx="1028700" cy="1872615"/>
+            <a:off x="6629400" y="175260"/>
+            <a:ext cx="2057400" cy="3745230"/>
           </a:xfrm>
         </p:spPr>
         <p:txBody>
@@ -576,8 +576,8 @@
         </p:nvSpPr>
         <p:spPr>
           <a:xfrm>
-            <a:off x="228600" y="87630"/>
-            <a:ext cx="3009900" cy="1872615"/>
+            <a:off x="457200" y="175260"/>
+            <a:ext cx="6019800" cy="3745230"/>
           </a:xfrm>
         </p:spPr>
         <p:txBody>
@@ -898,15 +898,15 @@
         </p:nvSpPr>
         <p:spPr>
           <a:xfrm>
-            <a:off x="361157" y="1762760"/>
-            <a:ext cx="3886200" cy="544830"/>
+            <a:off x="722313" y="3525520"/>
+            <a:ext cx="7772400" cy="1089660"/>
           </a:xfrm>
         </p:spPr>
         <p:txBody>
           <a:bodyPr anchor="t"/>
           <a:lstStyle>
             <a:lvl1pPr algn="l">
-              <a:defRPr sz="2000" b="1" cap="all"/>
+              <a:defRPr sz="4000" b="1" cap="all"/>
             </a:lvl1pPr>
           </a:lstStyle>
           <a:p>
@@ -930,8 +930,8 @@
         </p:nvSpPr>
         <p:spPr>
           <a:xfrm>
-            <a:off x="361157" y="1162686"/>
-            <a:ext cx="3886200" cy="600075"/>
+            <a:off x="722313" y="2325371"/>
+            <a:ext cx="7772400" cy="1200150"/>
           </a:xfrm>
         </p:spPr>
         <p:txBody>
@@ -939,7 +939,7 @@
           <a:lstStyle>
             <a:lvl1pPr marL="0" indent="0">
               <a:buNone/>
-              <a:defRPr sz="1000">
+              <a:defRPr sz="2000">
                 <a:solidFill>
                   <a:schemeClr val="tx1">
                     <a:tint val="75000"/>
@@ -947,9 +947,9 @@
                 </a:solidFill>
               </a:defRPr>
             </a:lvl1pPr>
-            <a:lvl2pPr marL="228600" indent="0">
+            <a:lvl2pPr marL="457200" indent="0">
               <a:buNone/>
-              <a:defRPr sz="900">
+              <a:defRPr sz="1800">
                 <a:solidFill>
                   <a:schemeClr val="tx1">
                     <a:tint val="75000"/>
@@ -957,9 +957,9 @@
                 </a:solidFill>
               </a:defRPr>
             </a:lvl2pPr>
-            <a:lvl3pPr marL="457200" indent="0">
+            <a:lvl3pPr marL="914400" indent="0">
               <a:buNone/>
-              <a:defRPr sz="800">
+              <a:defRPr sz="1600">
                 <a:solidFill>
                   <a:schemeClr val="tx1">
                     <a:tint val="75000"/>
@@ -967,9 +967,9 @@
                 </a:solidFill>
               </a:defRPr>
             </a:lvl3pPr>
-            <a:lvl4pPr marL="685800" indent="0">
+            <a:lvl4pPr marL="1371600" indent="0">
               <a:buNone/>
-              <a:defRPr sz="700">
+              <a:defRPr sz="1400">
                 <a:solidFill>
                   <a:schemeClr val="tx1">
                     <a:tint val="75000"/>
@@ -977,9 +977,9 @@
                 </a:solidFill>
               </a:defRPr>
             </a:lvl4pPr>
-            <a:lvl5pPr marL="914400" indent="0">
+            <a:lvl5pPr marL="1828800" indent="0">
               <a:buNone/>
-              <a:defRPr sz="700">
+              <a:defRPr sz="1400">
                 <a:solidFill>
                   <a:schemeClr val="tx1">
                     <a:tint val="75000"/>
@@ -987,9 +987,9 @@
                 </a:solidFill>
               </a:defRPr>
             </a:lvl5pPr>
-            <a:lvl6pPr marL="1143000" indent="0">
+            <a:lvl6pPr marL="2286000" indent="0">
               <a:buNone/>
-              <a:defRPr sz="700">
+              <a:defRPr sz="1400">
                 <a:solidFill>
                   <a:schemeClr val="tx1">
                     <a:tint val="75000"/>
@@ -997,9 +997,9 @@
                 </a:solidFill>
               </a:defRPr>
             </a:lvl6pPr>
-            <a:lvl7pPr marL="1371600" indent="0">
+            <a:lvl7pPr marL="2743200" indent="0">
               <a:buNone/>
-              <a:defRPr sz="700">
+              <a:defRPr sz="1400">
                 <a:solidFill>
                   <a:schemeClr val="tx1">
                     <a:tint val="75000"/>
@@ -1007,9 +1007,9 @@
                 </a:solidFill>
               </a:defRPr>
             </a:lvl7pPr>
-            <a:lvl8pPr marL="1600200" indent="0">
+            <a:lvl8pPr marL="3200400" indent="0">
               <a:buNone/>
-              <a:defRPr sz="700">
+              <a:defRPr sz="1400">
                 <a:solidFill>
                   <a:schemeClr val="tx1">
                     <a:tint val="75000"/>
@@ -1017,9 +1017,9 @@
                 </a:solidFill>
               </a:defRPr>
             </a:lvl8pPr>
-            <a:lvl9pPr marL="1828800" indent="0">
+            <a:lvl9pPr marL="3657600" indent="0">
               <a:buNone/>
-              <a:defRPr sz="700">
+              <a:defRPr sz="1400">
                 <a:solidFill>
                   <a:schemeClr val="tx1">
                     <a:tint val="75000"/>
@@ -1167,39 +1167,39 @@
         </p:nvSpPr>
         <p:spPr>
           <a:xfrm>
-            <a:off x="228600" y="511810"/>
-            <a:ext cx="2019300" cy="1448435"/>
+            <a:off x="457200" y="1023620"/>
+            <a:ext cx="4038600" cy="2896870"/>
           </a:xfrm>
         </p:spPr>
         <p:txBody>
           <a:bodyPr/>
           <a:lstStyle>
             <a:lvl1pPr>
-              <a:defRPr sz="1400"/>
+              <a:defRPr sz="2800"/>
             </a:lvl1pPr>
             <a:lvl2pPr>
-              <a:defRPr sz="1200"/>
+              <a:defRPr sz="2400"/>
             </a:lvl2pPr>
             <a:lvl3pPr>
-              <a:defRPr sz="1000"/>
+              <a:defRPr sz="2000"/>
             </a:lvl3pPr>
             <a:lvl4pPr>
-              <a:defRPr sz="900"/>
+              <a:defRPr sz="1800"/>
             </a:lvl4pPr>
             <a:lvl5pPr>
-              <a:defRPr sz="900"/>
+              <a:defRPr sz="1800"/>
             </a:lvl5pPr>
             <a:lvl6pPr>
-              <a:defRPr sz="900"/>
+              <a:defRPr sz="1800"/>
             </a:lvl6pPr>
             <a:lvl7pPr>
-              <a:defRPr sz="900"/>
+              <a:defRPr sz="1800"/>
             </a:lvl7pPr>
             <a:lvl8pPr>
-              <a:defRPr sz="900"/>
+              <a:defRPr sz="1800"/>
             </a:lvl8pPr>
             <a:lvl9pPr>
-              <a:defRPr sz="900"/>
+              <a:defRPr sz="1800"/>
             </a:lvl9pPr>
           </a:lstStyle>
           <a:p>
@@ -1252,39 +1252,39 @@
         </p:nvSpPr>
         <p:spPr>
           <a:xfrm>
-            <a:off x="2324100" y="511810"/>
-            <a:ext cx="2019300" cy="1448435"/>
+            <a:off x="4648200" y="1023620"/>
+            <a:ext cx="4038600" cy="2896870"/>
           </a:xfrm>
         </p:spPr>
         <p:txBody>
           <a:bodyPr/>
           <a:lstStyle>
             <a:lvl1pPr>
-              <a:defRPr sz="1400"/>
+              <a:defRPr sz="2800"/>
             </a:lvl1pPr>
             <a:lvl2pPr>
-              <a:defRPr sz="1200"/>
+              <a:defRPr sz="2400"/>
             </a:lvl2pPr>
             <a:lvl3pPr>
-              <a:defRPr sz="1000"/>
+              <a:defRPr sz="2000"/>
             </a:lvl3pPr>
             <a:lvl4pPr>
-              <a:defRPr sz="900"/>
+              <a:defRPr sz="1800"/>
             </a:lvl4pPr>
             <a:lvl5pPr>
-              <a:defRPr sz="900"/>
+              <a:defRPr sz="1800"/>
             </a:lvl5pPr>
             <a:lvl6pPr>
-              <a:defRPr sz="900"/>
+              <a:defRPr sz="1800"/>
             </a:lvl6pPr>
             <a:lvl7pPr>
-              <a:defRPr sz="900"/>
+              <a:defRPr sz="1800"/>
             </a:lvl7pPr>
             <a:lvl8pPr>
-              <a:defRPr sz="900"/>
+              <a:defRPr sz="1800"/>
             </a:lvl8pPr>
             <a:lvl9pPr>
-              <a:defRPr sz="900"/>
+              <a:defRPr sz="1800"/>
             </a:lvl9pPr>
           </a:lstStyle>
           <a:p>
@@ -1432,8 +1432,8 @@
         </p:nvSpPr>
         <p:spPr>
           <a:xfrm>
-            <a:off x="228600" y="109855"/>
-            <a:ext cx="4114800" cy="457200"/>
+            <a:off x="457200" y="219710"/>
+            <a:ext cx="8229600" cy="914400"/>
           </a:xfrm>
         </p:spPr>
         <p:txBody>
@@ -1464,8 +1464,8 @@
         </p:nvSpPr>
         <p:spPr>
           <a:xfrm>
-            <a:off x="228600" y="614045"/>
-            <a:ext cx="2020094" cy="255905"/>
+            <a:off x="457200" y="1228090"/>
+            <a:ext cx="4040188" cy="511810"/>
           </a:xfrm>
         </p:spPr>
         <p:txBody>
@@ -1473,39 +1473,39 @@
           <a:lstStyle>
             <a:lvl1pPr marL="0" indent="0">
               <a:buNone/>
-              <a:defRPr sz="1200" b="1"/>
+              <a:defRPr sz="2400" b="1"/>
             </a:lvl1pPr>
-            <a:lvl2pPr marL="228600" indent="0">
+            <a:lvl2pPr marL="457200" indent="0">
               <a:buNone/>
-              <a:defRPr sz="1000" b="1"/>
+              <a:defRPr sz="2000" b="1"/>
             </a:lvl2pPr>
-            <a:lvl3pPr marL="457200" indent="0">
+            <a:lvl3pPr marL="914400" indent="0">
               <a:buNone/>
-              <a:defRPr sz="900" b="1"/>
+              <a:defRPr sz="1800" b="1"/>
             </a:lvl3pPr>
-            <a:lvl4pPr marL="685800" indent="0">
+            <a:lvl4pPr marL="1371600" indent="0">
               <a:buNone/>
-              <a:defRPr sz="800" b="1"/>
+              <a:defRPr sz="1600" b="1"/>
             </a:lvl4pPr>
-            <a:lvl5pPr marL="914400" indent="0">
+            <a:lvl5pPr marL="1828800" indent="0">
               <a:buNone/>
-              <a:defRPr sz="800" b="1"/>
+              <a:defRPr sz="1600" b="1"/>
             </a:lvl5pPr>
-            <a:lvl6pPr marL="1143000" indent="0">
+            <a:lvl6pPr marL="2286000" indent="0">
               <a:buNone/>
-              <a:defRPr sz="800" b="1"/>
+              <a:defRPr sz="1600" b="1"/>
             </a:lvl6pPr>
-            <a:lvl7pPr marL="1371600" indent="0">
+            <a:lvl7pPr marL="2743200" indent="0">
               <a:buNone/>
-              <a:defRPr sz="800" b="1"/>
+              <a:defRPr sz="1600" b="1"/>
             </a:lvl7pPr>
-            <a:lvl8pPr marL="1600200" indent="0">
+            <a:lvl8pPr marL="3200400" indent="0">
               <a:buNone/>
-              <a:defRPr sz="800" b="1"/>
+              <a:defRPr sz="1600" b="1"/>
             </a:lvl8pPr>
-            <a:lvl9pPr marL="1828800" indent="0">
+            <a:lvl9pPr marL="3657600" indent="0">
               <a:buNone/>
-              <a:defRPr sz="800" b="1"/>
+              <a:defRPr sz="1600" b="1"/>
             </a:lvl9pPr>
           </a:lstStyle>
           <a:p>
@@ -1529,39 +1529,39 @@
         </p:nvSpPr>
         <p:spPr>
           <a:xfrm>
-            <a:off x="228600" y="869950"/>
-            <a:ext cx="2020094" cy="1580515"/>
+            <a:off x="457200" y="1739900"/>
+            <a:ext cx="4040188" cy="3161030"/>
           </a:xfrm>
         </p:spPr>
         <p:txBody>
           <a:bodyPr/>
           <a:lstStyle>
             <a:lvl1pPr>
-              <a:defRPr sz="1200"/>
+              <a:defRPr sz="2400"/>
             </a:lvl1pPr>
             <a:lvl2pPr>
-              <a:defRPr sz="1000"/>
+              <a:defRPr sz="2000"/>
             </a:lvl2pPr>
             <a:lvl3pPr>
-              <a:defRPr sz="900"/>
+              <a:defRPr sz="1800"/>
             </a:lvl3pPr>
             <a:lvl4pPr>
-              <a:defRPr sz="800"/>
+              <a:defRPr sz="1600"/>
             </a:lvl4pPr>
             <a:lvl5pPr>
-              <a:defRPr sz="800"/>
+              <a:defRPr sz="1600"/>
             </a:lvl5pPr>
             <a:lvl6pPr>
-              <a:defRPr sz="800"/>
+              <a:defRPr sz="1600"/>
             </a:lvl6pPr>
             <a:lvl7pPr>
-              <a:defRPr sz="800"/>
+              <a:defRPr sz="1600"/>
             </a:lvl7pPr>
             <a:lvl8pPr>
-              <a:defRPr sz="800"/>
+              <a:defRPr sz="1600"/>
             </a:lvl8pPr>
             <a:lvl9pPr>
-              <a:defRPr sz="800"/>
+              <a:defRPr sz="1600"/>
             </a:lvl9pPr>
           </a:lstStyle>
           <a:p>
@@ -1614,8 +1614,8 @@
         </p:nvSpPr>
         <p:spPr>
           <a:xfrm>
-            <a:off x="2322513" y="614045"/>
-            <a:ext cx="2020888" cy="255905"/>
+            <a:off x="4645026" y="1228090"/>
+            <a:ext cx="4041775" cy="511810"/>
           </a:xfrm>
         </p:spPr>
         <p:txBody>
@@ -1623,39 +1623,39 @@
           <a:lstStyle>
             <a:lvl1pPr marL="0" indent="0">
               <a:buNone/>
-              <a:defRPr sz="1200" b="1"/>
+              <a:defRPr sz="2400" b="1"/>
             </a:lvl1pPr>
-            <a:lvl2pPr marL="228600" indent="0">
+            <a:lvl2pPr marL="457200" indent="0">
               <a:buNone/>
-              <a:defRPr sz="1000" b="1"/>
+              <a:defRPr sz="2000" b="1"/>
             </a:lvl2pPr>
-            <a:lvl3pPr marL="457200" indent="0">
+            <a:lvl3pPr marL="914400" indent="0">
               <a:buNone/>
-              <a:defRPr sz="900" b="1"/>
+              <a:defRPr sz="1800" b="1"/>
             </a:lvl3pPr>
-            <a:lvl4pPr marL="685800" indent="0">
+            <a:lvl4pPr marL="1371600" indent="0">
               <a:buNone/>
-              <a:defRPr sz="800" b="1"/>
+              <a:defRPr sz="1600" b="1"/>
             </a:lvl4pPr>
-            <a:lvl5pPr marL="914400" indent="0">
+            <a:lvl5pPr marL="1828800" indent="0">
               <a:buNone/>
-              <a:defRPr sz="800" b="1"/>
+              <a:defRPr sz="1600" b="1"/>
             </a:lvl5pPr>
-            <a:lvl6pPr marL="1143000" indent="0">
+            <a:lvl6pPr marL="2286000" indent="0">
               <a:buNone/>
-              <a:defRPr sz="800" b="1"/>
+              <a:defRPr sz="1600" b="1"/>
             </a:lvl6pPr>
-            <a:lvl7pPr marL="1371600" indent="0">
+            <a:lvl7pPr marL="2743200" indent="0">
               <a:buNone/>
-              <a:defRPr sz="800" b="1"/>
+              <a:defRPr sz="1600" b="1"/>
             </a:lvl7pPr>
-            <a:lvl8pPr marL="1600200" indent="0">
+            <a:lvl8pPr marL="3200400" indent="0">
               <a:buNone/>
-              <a:defRPr sz="800" b="1"/>
+              <a:defRPr sz="1600" b="1"/>
             </a:lvl8pPr>
-            <a:lvl9pPr marL="1828800" indent="0">
+            <a:lvl9pPr marL="3657600" indent="0">
               <a:buNone/>
-              <a:defRPr sz="800" b="1"/>
+              <a:defRPr sz="1600" b="1"/>
             </a:lvl9pPr>
           </a:lstStyle>
           <a:p>
@@ -1679,39 +1679,39 @@
         </p:nvSpPr>
         <p:spPr>
           <a:xfrm>
-            <a:off x="2322513" y="869950"/>
-            <a:ext cx="2020888" cy="1580515"/>
+            <a:off x="4645026" y="1739900"/>
+            <a:ext cx="4041775" cy="3161030"/>
           </a:xfrm>
         </p:spPr>
         <p:txBody>
           <a:bodyPr/>
           <a:lstStyle>
             <a:lvl1pPr>
-              <a:defRPr sz="1200"/>
+              <a:defRPr sz="2400"/>
             </a:lvl1pPr>
             <a:lvl2pPr>
-              <a:defRPr sz="1000"/>
+              <a:defRPr sz="2000"/>
             </a:lvl2pPr>
             <a:lvl3pPr>
-              <a:defRPr sz="900"/>
+              <a:defRPr sz="1800"/>
             </a:lvl3pPr>
             <a:lvl4pPr>
-              <a:defRPr sz="800"/>
+              <a:defRPr sz="1600"/>
             </a:lvl4pPr>
             <a:lvl5pPr>
-              <a:defRPr sz="800"/>
+              <a:defRPr sz="1600"/>
             </a:lvl5pPr>
             <a:lvl6pPr>
-              <a:defRPr sz="800"/>
+              <a:defRPr sz="1600"/>
             </a:lvl6pPr>
             <a:lvl7pPr>
-              <a:defRPr sz="800"/>
+              <a:defRPr sz="1600"/>
             </a:lvl7pPr>
             <a:lvl8pPr>
-              <a:defRPr sz="800"/>
+              <a:defRPr sz="1600"/>
             </a:lvl8pPr>
             <a:lvl9pPr>
-              <a:defRPr sz="800"/>
+              <a:defRPr sz="1600"/>
             </a:lvl9pPr>
           </a:lstStyle>
           <a:p>
@@ -2072,15 +2072,15 @@
         </p:nvSpPr>
         <p:spPr>
           <a:xfrm>
-            <a:off x="228601" y="109220"/>
-            <a:ext cx="1504157" cy="464820"/>
+            <a:off x="457201" y="218440"/>
+            <a:ext cx="3008313" cy="929640"/>
           </a:xfrm>
         </p:spPr>
         <p:txBody>
           <a:bodyPr anchor="b"/>
           <a:lstStyle>
             <a:lvl1pPr algn="l">
-              <a:defRPr sz="1000" b="1"/>
+              <a:defRPr sz="2000" b="1"/>
             </a:lvl1pPr>
           </a:lstStyle>
           <a:p>
@@ -2104,39 +2104,39 @@
         </p:nvSpPr>
         <p:spPr>
           <a:xfrm>
-            <a:off x="1787525" y="109221"/>
-            <a:ext cx="2555875" cy="2341245"/>
+            <a:off x="3575050" y="218441"/>
+            <a:ext cx="5111750" cy="4682490"/>
           </a:xfrm>
         </p:spPr>
         <p:txBody>
           <a:bodyPr/>
           <a:lstStyle>
             <a:lvl1pPr>
-              <a:defRPr sz="1600"/>
+              <a:defRPr sz="3200"/>
             </a:lvl1pPr>
             <a:lvl2pPr>
-              <a:defRPr sz="1400"/>
+              <a:defRPr sz="2800"/>
             </a:lvl2pPr>
             <a:lvl3pPr>
-              <a:defRPr sz="1200"/>
+              <a:defRPr sz="2400"/>
             </a:lvl3pPr>
             <a:lvl4pPr>
-              <a:defRPr sz="1000"/>
+              <a:defRPr sz="2000"/>
             </a:lvl4pPr>
             <a:lvl5pPr>
-              <a:defRPr sz="1000"/>
+              <a:defRPr sz="2000"/>
             </a:lvl5pPr>
             <a:lvl6pPr>
-              <a:defRPr sz="1000"/>
+              <a:defRPr sz="2000"/>
             </a:lvl6pPr>
             <a:lvl7pPr>
-              <a:defRPr sz="1000"/>
+              <a:defRPr sz="2000"/>
             </a:lvl7pPr>
             <a:lvl8pPr>
-              <a:defRPr sz="1000"/>
+              <a:defRPr sz="2000"/>
             </a:lvl8pPr>
             <a:lvl9pPr>
-              <a:defRPr sz="1000"/>
+              <a:defRPr sz="2000"/>
             </a:lvl9pPr>
           </a:lstStyle>
           <a:p>
@@ -2189,8 +2189,8 @@
         </p:nvSpPr>
         <p:spPr>
           <a:xfrm>
-            <a:off x="228601" y="574041"/>
-            <a:ext cx="1504157" cy="1876425"/>
+            <a:off x="457201" y="1148081"/>
+            <a:ext cx="3008313" cy="3752850"/>
           </a:xfrm>
         </p:spPr>
         <p:txBody>
@@ -2198,39 +2198,39 @@
           <a:lstStyle>
             <a:lvl1pPr marL="0" indent="0">
               <a:buNone/>
-              <a:defRPr sz="700"/>
+              <a:defRPr sz="1400"/>
             </a:lvl1pPr>
-            <a:lvl2pPr marL="228600" indent="0">
+            <a:lvl2pPr marL="457200" indent="0">
               <a:buNone/>
-              <a:defRPr sz="600"/>
+              <a:defRPr sz="1200"/>
             </a:lvl2pPr>
-            <a:lvl3pPr marL="457200" indent="0">
+            <a:lvl3pPr marL="914400" indent="0">
               <a:buNone/>
-              <a:defRPr sz="500"/>
+              <a:defRPr sz="1000"/>
             </a:lvl3pPr>
-            <a:lvl4pPr marL="685800" indent="0">
+            <a:lvl4pPr marL="1371600" indent="0">
               <a:buNone/>
-              <a:defRPr sz="500"/>
+              <a:defRPr sz="900"/>
             </a:lvl4pPr>
-            <a:lvl5pPr marL="914400" indent="0">
+            <a:lvl5pPr marL="1828800" indent="0">
               <a:buNone/>
-              <a:defRPr sz="500"/>
+              <a:defRPr sz="900"/>
             </a:lvl5pPr>
-            <a:lvl6pPr marL="1143000" indent="0">
+            <a:lvl6pPr marL="2286000" indent="0">
               <a:buNone/>
-              <a:defRPr sz="500"/>
+              <a:defRPr sz="900"/>
             </a:lvl6pPr>
-            <a:lvl7pPr marL="1371600" indent="0">
+            <a:lvl7pPr marL="2743200" indent="0">
               <a:buNone/>
-              <a:defRPr sz="500"/>
+              <a:defRPr sz="900"/>
             </a:lvl7pPr>
-            <a:lvl8pPr marL="1600200" indent="0">
+            <a:lvl8pPr marL="3200400" indent="0">
               <a:buNone/>
-              <a:defRPr sz="500"/>
+              <a:defRPr sz="900"/>
             </a:lvl8pPr>
-            <a:lvl9pPr marL="1828800" indent="0">
+            <a:lvl9pPr marL="3657600" indent="0">
               <a:buNone/>
-              <a:defRPr sz="500"/>
+              <a:defRPr sz="900"/>
             </a:lvl9pPr>
           </a:lstStyle>
           <a:p>
@@ -2349,15 +2349,15 @@
         </p:nvSpPr>
         <p:spPr>
           <a:xfrm>
-            <a:off x="896144" y="1920240"/>
-            <a:ext cx="2743200" cy="226695"/>
+            <a:off x="1792288" y="3840480"/>
+            <a:ext cx="5486400" cy="453390"/>
           </a:xfrm>
         </p:spPr>
         <p:txBody>
           <a:bodyPr anchor="b"/>
           <a:lstStyle>
             <a:lvl1pPr algn="l">
-              <a:defRPr sz="1000" b="1"/>
+              <a:defRPr sz="2000" b="1"/>
             </a:lvl1pPr>
           </a:lstStyle>
           <a:p>
@@ -2381,8 +2381,8 @@
         </p:nvSpPr>
         <p:spPr>
           <a:xfrm>
-            <a:off x="896144" y="245110"/>
-            <a:ext cx="2743200" cy="1645920"/>
+            <a:off x="1792288" y="490220"/>
+            <a:ext cx="5486400" cy="3291840"/>
           </a:xfrm>
         </p:spPr>
         <p:txBody>
@@ -2390,39 +2390,39 @@
           <a:lstStyle>
             <a:lvl1pPr marL="0" indent="0">
               <a:buNone/>
-              <a:defRPr sz="1600"/>
+              <a:defRPr sz="3200"/>
             </a:lvl1pPr>
-            <a:lvl2pPr marL="228600" indent="0">
+            <a:lvl2pPr marL="457200" indent="0">
               <a:buNone/>
-              <a:defRPr sz="1400"/>
+              <a:defRPr sz="2800"/>
             </a:lvl2pPr>
-            <a:lvl3pPr marL="457200" indent="0">
+            <a:lvl3pPr marL="914400" indent="0">
               <a:buNone/>
-              <a:defRPr sz="1200"/>
+              <a:defRPr sz="2400"/>
             </a:lvl3pPr>
-            <a:lvl4pPr marL="685800" indent="0">
+            <a:lvl4pPr marL="1371600" indent="0">
               <a:buNone/>
-              <a:defRPr sz="1000"/>
+              <a:defRPr sz="2000"/>
             </a:lvl4pPr>
-            <a:lvl5pPr marL="914400" indent="0">
+            <a:lvl5pPr marL="1828800" indent="0">
               <a:buNone/>
-              <a:defRPr sz="1000"/>
+              <a:defRPr sz="2000"/>
             </a:lvl5pPr>
-            <a:lvl6pPr marL="1143000" indent="0">
+            <a:lvl6pPr marL="2286000" indent="0">
               <a:buNone/>
-              <a:defRPr sz="1000"/>
+              <a:defRPr sz="2000"/>
             </a:lvl6pPr>
-            <a:lvl7pPr marL="1371600" indent="0">
+            <a:lvl7pPr marL="2743200" indent="0">
               <a:buNone/>
-              <a:defRPr sz="1000"/>
+              <a:defRPr sz="2000"/>
             </a:lvl7pPr>
-            <a:lvl8pPr marL="1600200" indent="0">
+            <a:lvl8pPr marL="3200400" indent="0">
               <a:buNone/>
-              <a:defRPr sz="1000"/>
+              <a:defRPr sz="2000"/>
             </a:lvl8pPr>
-            <a:lvl9pPr marL="1828800" indent="0">
+            <a:lvl9pPr marL="3657600" indent="0">
               <a:buNone/>
-              <a:defRPr sz="1000"/>
+              <a:defRPr sz="2000"/>
             </a:lvl9pPr>
           </a:lstStyle>
           <a:p>
@@ -2442,8 +2442,8 @@
         </p:nvSpPr>
         <p:spPr>
           <a:xfrm>
-            <a:off x="896144" y="2146935"/>
-            <a:ext cx="2743200" cy="321945"/>
+            <a:off x="1792288" y="4293870"/>
+            <a:ext cx="5486400" cy="643890"/>
           </a:xfrm>
         </p:spPr>
         <p:txBody>
@@ -2451,39 +2451,39 @@
           <a:lstStyle>
             <a:lvl1pPr marL="0" indent="0">
               <a:buNone/>
-              <a:defRPr sz="700"/>
+              <a:defRPr sz="1400"/>
             </a:lvl1pPr>
-            <a:lvl2pPr marL="228600" indent="0">
+            <a:lvl2pPr marL="457200" indent="0">
               <a:buNone/>
-              <a:defRPr sz="600"/>
+              <a:defRPr sz="1200"/>
             </a:lvl2pPr>
-            <a:lvl3pPr marL="457200" indent="0">
+            <a:lvl3pPr marL="914400" indent="0">
               <a:buNone/>
-              <a:defRPr sz="500"/>
+              <a:defRPr sz="1000"/>
             </a:lvl3pPr>
-            <a:lvl4pPr marL="685800" indent="0">
+            <a:lvl4pPr marL="1371600" indent="0">
               <a:buNone/>
-              <a:defRPr sz="500"/>
+              <a:defRPr sz="900"/>
             </a:lvl4pPr>
-            <a:lvl5pPr marL="914400" indent="0">
+            <a:lvl5pPr marL="1828800" indent="0">
               <a:buNone/>
-              <a:defRPr sz="500"/>
+              <a:defRPr sz="900"/>
             </a:lvl5pPr>
-            <a:lvl6pPr marL="1143000" indent="0">
+            <a:lvl6pPr marL="2286000" indent="0">
               <a:buNone/>
-              <a:defRPr sz="500"/>
+              <a:defRPr sz="900"/>
             </a:lvl6pPr>
-            <a:lvl7pPr marL="1371600" indent="0">
+            <a:lvl7pPr marL="2743200" indent="0">
               <a:buNone/>
-              <a:defRPr sz="500"/>
+              <a:defRPr sz="900"/>
             </a:lvl7pPr>
-            <a:lvl8pPr marL="1600200" indent="0">
+            <a:lvl8pPr marL="3200400" indent="0">
               <a:buNone/>
-              <a:defRPr sz="500"/>
+              <a:defRPr sz="900"/>
             </a:lvl8pPr>
-            <a:lvl9pPr marL="1828800" indent="0">
+            <a:lvl9pPr marL="3657600" indent="0">
               <a:buNone/>
-              <a:defRPr sz="500"/>
+              <a:defRPr sz="900"/>
             </a:lvl9pPr>
           </a:lstStyle>
           <a:p>
@@ -2607,15 +2607,15 @@
         </p:nvSpPr>
         <p:spPr>
           <a:xfrm>
-            <a:off x="228600" y="109855"/>
-            <a:ext cx="4114800" cy="457200"/>
+            <a:off x="457200" y="219710"/>
+            <a:ext cx="8229600" cy="914400"/>
           </a:xfrm>
           <a:prstGeom prst="rect">
             <a:avLst/>
           </a:prstGeom>
         </p:spPr>
         <p:txBody>
-          <a:bodyPr vert="horz" lIns="45720" tIns="22860" rIns="45720" bIns="22860" rtlCol="0" anchor="ctr">
+          <a:bodyPr vert="horz" lIns="91440" tIns="45720" rIns="91440" bIns="45720" rtlCol="0" anchor="ctr">
             <a:normAutofit/>
           </a:bodyPr>
           <a:lstStyle/>
@@ -2640,15 +2640,15 @@
         </p:nvSpPr>
         <p:spPr>
           <a:xfrm>
-            <a:off x="228600" y="640081"/>
-            <a:ext cx="4114800" cy="1810385"/>
+            <a:off x="457200" y="1280161"/>
+            <a:ext cx="8229600" cy="3620770"/>
           </a:xfrm>
           <a:prstGeom prst="rect">
             <a:avLst/>
           </a:prstGeom>
         </p:spPr>
         <p:txBody>
-          <a:bodyPr vert="horz" lIns="45720" tIns="22860" rIns="45720" bIns="22860" rtlCol="0">
+          <a:bodyPr vert="horz" lIns="91440" tIns="45720" rIns="91440" bIns="45720" rtlCol="0">
             <a:normAutofit/>
           </a:bodyPr>
           <a:lstStyle/>
@@ -2702,18 +2702,18 @@
         </p:nvSpPr>
         <p:spPr>
           <a:xfrm>
-            <a:off x="228600" y="2542540"/>
-            <a:ext cx="1066800" cy="146050"/>
+            <a:off x="457200" y="5085080"/>
+            <a:ext cx="2133600" cy="292100"/>
           </a:xfrm>
           <a:prstGeom prst="rect">
             <a:avLst/>
           </a:prstGeom>
         </p:spPr>
         <p:txBody>
-          <a:bodyPr vert="horz" lIns="45720" tIns="22860" rIns="45720" bIns="22860" rtlCol="0" anchor="ctr"/>
+          <a:bodyPr vert="horz" lIns="91440" tIns="45720" rIns="91440" bIns="45720" rtlCol="0" anchor="ctr"/>
           <a:lstStyle>
             <a:lvl1pPr algn="l">
-              <a:defRPr sz="600">
+              <a:defRPr sz="1200">
                 <a:solidFill>
                   <a:schemeClr val="tx1">
                     <a:tint val="75000"/>
@@ -2743,18 +2743,18 @@
         </p:nvSpPr>
         <p:spPr>
           <a:xfrm>
-            <a:off x="1562100" y="2542540"/>
-            <a:ext cx="1447800" cy="146050"/>
+            <a:off x="3124200" y="5085080"/>
+            <a:ext cx="2895600" cy="292100"/>
           </a:xfrm>
           <a:prstGeom prst="rect">
             <a:avLst/>
           </a:prstGeom>
         </p:spPr>
         <p:txBody>
-          <a:bodyPr vert="horz" lIns="45720" tIns="22860" rIns="45720" bIns="22860" rtlCol="0" anchor="ctr"/>
+          <a:bodyPr vert="horz" lIns="91440" tIns="45720" rIns="91440" bIns="45720" rtlCol="0" anchor="ctr"/>
           <a:lstStyle>
             <a:lvl1pPr algn="ctr">
-              <a:defRPr sz="600">
+              <a:defRPr sz="1200">
                 <a:solidFill>
                   <a:schemeClr val="tx1">
                     <a:tint val="75000"/>
@@ -2780,18 +2780,18 @@
         </p:nvSpPr>
         <p:spPr>
           <a:xfrm>
-            <a:off x="3276600" y="2542540"/>
-            <a:ext cx="1066800" cy="146050"/>
+            <a:off x="6553200" y="5085080"/>
+            <a:ext cx="2133600" cy="292100"/>
           </a:xfrm>
           <a:prstGeom prst="rect">
             <a:avLst/>
           </a:prstGeom>
         </p:spPr>
         <p:txBody>
-          <a:bodyPr vert="horz" lIns="45720" tIns="22860" rIns="45720" bIns="22860" rtlCol="0" anchor="ctr"/>
+          <a:bodyPr vert="horz" lIns="91440" tIns="45720" rIns="91440" bIns="45720" rtlCol="0" anchor="ctr"/>
           <a:lstStyle>
             <a:lvl1pPr algn="r">
-              <a:defRPr sz="600">
+              <a:defRPr sz="1200">
                 <a:solidFill>
                   <a:schemeClr val="tx1">
                     <a:tint val="75000"/>
@@ -2832,12 +2832,12 @@
   </p:sldLayoutIdLst>
   <p:txStyles>
     <p:titleStyle>
-      <a:lvl1pPr algn="ctr" defTabSz="228600" rtl="0" eaLnBrk="1" latinLnBrk="0" hangingPunct="1">
+      <a:lvl1pPr algn="ctr" defTabSz="457200" rtl="0" eaLnBrk="1" latinLnBrk="0" hangingPunct="1">
         <a:spcBef>
           <a:spcPct val="0"/>
         </a:spcBef>
         <a:buNone/>
-        <a:defRPr sz="2200" kern="1200">
+        <a:defRPr sz="4400" kern="1200">
           <a:solidFill>
             <a:schemeClr val="tx1"/>
           </a:solidFill>
@@ -2848,13 +2848,13 @@
       </a:lvl1pPr>
     </p:titleStyle>
     <p:bodyStyle>
-      <a:lvl1pPr marL="171450" indent="-171450" algn="l" defTabSz="228600" rtl="0" eaLnBrk="1" latinLnBrk="0" hangingPunct="1">
+      <a:lvl1pPr marL="342900" indent="-342900" algn="l" defTabSz="457200" rtl="0" eaLnBrk="1" latinLnBrk="0" hangingPunct="1">
         <a:spcBef>
           <a:spcPct val="20000"/>
         </a:spcBef>
         <a:buFont typeface="Arial"/>
         <a:buChar char="•"/>
-        <a:defRPr sz="1600" kern="1200">
+        <a:defRPr sz="3200" kern="1200">
           <a:solidFill>
             <a:schemeClr val="tx1"/>
           </a:solidFill>
@@ -2863,13 +2863,13 @@
           <a:cs typeface="+mn-cs"/>
         </a:defRPr>
       </a:lvl1pPr>
-      <a:lvl2pPr marL="371475" indent="-142875" algn="l" defTabSz="228600" rtl="0" eaLnBrk="1" latinLnBrk="0" hangingPunct="1">
+      <a:lvl2pPr marL="742950" indent="-285750" algn="l" defTabSz="457200" rtl="0" eaLnBrk="1" latinLnBrk="0" hangingPunct="1">
         <a:spcBef>
           <a:spcPct val="20000"/>
         </a:spcBef>
         <a:buFont typeface="Arial"/>
         <a:buChar char="–"/>
-        <a:defRPr sz="1400" kern="1200">
+        <a:defRPr sz="2800" kern="1200">
           <a:solidFill>
             <a:schemeClr val="tx1"/>
           </a:solidFill>
@@ -2878,13 +2878,13 @@
           <a:cs typeface="+mn-cs"/>
         </a:defRPr>
       </a:lvl2pPr>
-      <a:lvl3pPr marL="571500" indent="-114300" algn="l" defTabSz="228600" rtl="0" eaLnBrk="1" latinLnBrk="0" hangingPunct="1">
+      <a:lvl3pPr marL="1143000" indent="-228600" algn="l" defTabSz="457200" rtl="0" eaLnBrk="1" latinLnBrk="0" hangingPunct="1">
         <a:spcBef>
           <a:spcPct val="20000"/>
         </a:spcBef>
         <a:buFont typeface="Arial"/>
         <a:buChar char="•"/>
-        <a:defRPr sz="1200" kern="1200">
+        <a:defRPr sz="2400" kern="1200">
           <a:solidFill>
             <a:schemeClr val="tx1"/>
           </a:solidFill>
@@ -2893,13 +2893,13 @@
           <a:cs typeface="+mn-cs"/>
         </a:defRPr>
       </a:lvl3pPr>
-      <a:lvl4pPr marL="800100" indent="-114300" algn="l" defTabSz="228600" rtl="0" eaLnBrk="1" latinLnBrk="0" hangingPunct="1">
+      <a:lvl4pPr marL="1600200" indent="-228600" algn="l" defTabSz="457200" rtl="0" eaLnBrk="1" latinLnBrk="0" hangingPunct="1">
         <a:spcBef>
           <a:spcPct val="20000"/>
         </a:spcBef>
         <a:buFont typeface="Arial"/>
         <a:buChar char="–"/>
-        <a:defRPr sz="1000" kern="1200">
+        <a:defRPr sz="2000" kern="1200">
           <a:solidFill>
             <a:schemeClr val="tx1"/>
           </a:solidFill>
@@ -2908,13 +2908,13 @@
           <a:cs typeface="+mn-cs"/>
         </a:defRPr>
       </a:lvl4pPr>
-      <a:lvl5pPr marL="1028700" indent="-114300" algn="l" defTabSz="228600" rtl="0" eaLnBrk="1" latinLnBrk="0" hangingPunct="1">
+      <a:lvl5pPr marL="2057400" indent="-228600" algn="l" defTabSz="457200" rtl="0" eaLnBrk="1" latinLnBrk="0" hangingPunct="1">
         <a:spcBef>
           <a:spcPct val="20000"/>
         </a:spcBef>
         <a:buFont typeface="Arial"/>
         <a:buChar char="»"/>
-        <a:defRPr sz="1000" kern="1200">
+        <a:defRPr sz="2000" kern="1200">
           <a:solidFill>
             <a:schemeClr val="tx1"/>
           </a:solidFill>
@@ -2923,13 +2923,13 @@
           <a:cs typeface="+mn-cs"/>
         </a:defRPr>
       </a:lvl5pPr>
-      <a:lvl6pPr marL="1257300" indent="-114300" algn="l" defTabSz="228600" rtl="0" eaLnBrk="1" latinLnBrk="0" hangingPunct="1">
+      <a:lvl6pPr marL="2514600" indent="-228600" algn="l" defTabSz="457200" rtl="0" eaLnBrk="1" latinLnBrk="0" hangingPunct="1">
         <a:spcBef>
           <a:spcPct val="20000"/>
         </a:spcBef>
         <a:buFont typeface="Arial"/>
         <a:buChar char="•"/>
-        <a:defRPr sz="1000" kern="1200">
+        <a:defRPr sz="2000" kern="1200">
           <a:solidFill>
             <a:schemeClr val="tx1"/>
           </a:solidFill>
@@ -2938,13 +2938,13 @@
           <a:cs typeface="+mn-cs"/>
         </a:defRPr>
       </a:lvl6pPr>
-      <a:lvl7pPr marL="1485900" indent="-114300" algn="l" defTabSz="228600" rtl="0" eaLnBrk="1" latinLnBrk="0" hangingPunct="1">
+      <a:lvl7pPr marL="2971800" indent="-228600" algn="l" defTabSz="457200" rtl="0" eaLnBrk="1" latinLnBrk="0" hangingPunct="1">
         <a:spcBef>
           <a:spcPct val="20000"/>
         </a:spcBef>
         <a:buFont typeface="Arial"/>
         <a:buChar char="•"/>
-        <a:defRPr sz="1000" kern="1200">
+        <a:defRPr sz="2000" kern="1200">
           <a:solidFill>
             <a:schemeClr val="tx1"/>
           </a:solidFill>
@@ -2953,13 +2953,13 @@
           <a:cs typeface="+mn-cs"/>
         </a:defRPr>
       </a:lvl7pPr>
-      <a:lvl8pPr marL="1714500" indent="-114300" algn="l" defTabSz="228600" rtl="0" eaLnBrk="1" latinLnBrk="0" hangingPunct="1">
+      <a:lvl8pPr marL="3429000" indent="-228600" algn="l" defTabSz="457200" rtl="0" eaLnBrk="1" latinLnBrk="0" hangingPunct="1">
         <a:spcBef>
           <a:spcPct val="20000"/>
         </a:spcBef>
         <a:buFont typeface="Arial"/>
         <a:buChar char="•"/>
-        <a:defRPr sz="1000" kern="1200">
+        <a:defRPr sz="2000" kern="1200">
           <a:solidFill>
             <a:schemeClr val="tx1"/>
           </a:solidFill>
@@ -2968,13 +2968,13 @@
           <a:cs typeface="+mn-cs"/>
         </a:defRPr>
       </a:lvl8pPr>
-      <a:lvl9pPr marL="1943100" indent="-114300" algn="l" defTabSz="228600" rtl="0" eaLnBrk="1" latinLnBrk="0" hangingPunct="1">
+      <a:lvl9pPr marL="3886200" indent="-228600" algn="l" defTabSz="457200" rtl="0" eaLnBrk="1" latinLnBrk="0" hangingPunct="1">
         <a:spcBef>
           <a:spcPct val="20000"/>
         </a:spcBef>
         <a:buFont typeface="Arial"/>
         <a:buChar char="•"/>
-        <a:defRPr sz="1000" kern="1200">
+        <a:defRPr sz="2000" kern="1200">
           <a:solidFill>
             <a:schemeClr val="tx1"/>
           </a:solidFill>
@@ -2988,8 +2988,8 @@
       <a:defPPr>
         <a:defRPr lang="en-US"/>
       </a:defPPr>
-      <a:lvl1pPr marL="0" algn="l" defTabSz="228600" rtl="0" eaLnBrk="1" latinLnBrk="0" hangingPunct="1">
-        <a:defRPr sz="900" kern="1200">
+      <a:lvl1pPr marL="0" algn="l" defTabSz="457200" rtl="0" eaLnBrk="1" latinLnBrk="0" hangingPunct="1">
+        <a:defRPr sz="1800" kern="1200">
           <a:solidFill>
             <a:schemeClr val="tx1"/>
           </a:solidFill>
@@ -2998,8 +2998,8 @@
           <a:cs typeface="+mn-cs"/>
         </a:defRPr>
       </a:lvl1pPr>
-      <a:lvl2pPr marL="228600" algn="l" defTabSz="228600" rtl="0" eaLnBrk="1" latinLnBrk="0" hangingPunct="1">
-        <a:defRPr sz="900" kern="1200">
+      <a:lvl2pPr marL="457200" algn="l" defTabSz="457200" rtl="0" eaLnBrk="1" latinLnBrk="0" hangingPunct="1">
+        <a:defRPr sz="1800" kern="1200">
           <a:solidFill>
             <a:schemeClr val="tx1"/>
           </a:solidFill>
@@ -3008,8 +3008,8 @@
           <a:cs typeface="+mn-cs"/>
         </a:defRPr>
       </a:lvl2pPr>
-      <a:lvl3pPr marL="457200" algn="l" defTabSz="228600" rtl="0" eaLnBrk="1" latinLnBrk="0" hangingPunct="1">
-        <a:defRPr sz="900" kern="1200">
+      <a:lvl3pPr marL="914400" algn="l" defTabSz="457200" rtl="0" eaLnBrk="1" latinLnBrk="0" hangingPunct="1">
+        <a:defRPr sz="1800" kern="1200">
           <a:solidFill>
             <a:schemeClr val="tx1"/>
           </a:solidFill>
@@ -3018,8 +3018,8 @@
           <a:cs typeface="+mn-cs"/>
         </a:defRPr>
       </a:lvl3pPr>
-      <a:lvl4pPr marL="685800" algn="l" defTabSz="228600" rtl="0" eaLnBrk="1" latinLnBrk="0" hangingPunct="1">
-        <a:defRPr sz="900" kern="1200">
+      <a:lvl4pPr marL="1371600" algn="l" defTabSz="457200" rtl="0" eaLnBrk="1" latinLnBrk="0" hangingPunct="1">
+        <a:defRPr sz="1800" kern="1200">
           <a:solidFill>
             <a:schemeClr val="tx1"/>
           </a:solidFill>
@@ -3028,8 +3028,8 @@
           <a:cs typeface="+mn-cs"/>
         </a:defRPr>
       </a:lvl4pPr>
-      <a:lvl5pPr marL="914400" algn="l" defTabSz="228600" rtl="0" eaLnBrk="1" latinLnBrk="0" hangingPunct="1">
-        <a:defRPr sz="900" kern="1200">
+      <a:lvl5pPr marL="1828800" algn="l" defTabSz="457200" rtl="0" eaLnBrk="1" latinLnBrk="0" hangingPunct="1">
+        <a:defRPr sz="1800" kern="1200">
           <a:solidFill>
             <a:schemeClr val="tx1"/>
           </a:solidFill>
@@ -3038,8 +3038,8 @@
           <a:cs typeface="+mn-cs"/>
         </a:defRPr>
       </a:lvl5pPr>
-      <a:lvl6pPr marL="1143000" algn="l" defTabSz="228600" rtl="0" eaLnBrk="1" latinLnBrk="0" hangingPunct="1">
-        <a:defRPr sz="900" kern="1200">
+      <a:lvl6pPr marL="2286000" algn="l" defTabSz="457200" rtl="0" eaLnBrk="1" latinLnBrk="0" hangingPunct="1">
+        <a:defRPr sz="1800" kern="1200">
           <a:solidFill>
             <a:schemeClr val="tx1"/>
           </a:solidFill>
@@ -3048,8 +3048,8 @@
           <a:cs typeface="+mn-cs"/>
         </a:defRPr>
       </a:lvl6pPr>
-      <a:lvl7pPr marL="1371600" algn="l" defTabSz="228600" rtl="0" eaLnBrk="1" latinLnBrk="0" hangingPunct="1">
-        <a:defRPr sz="900" kern="1200">
+      <a:lvl7pPr marL="2743200" algn="l" defTabSz="457200" rtl="0" eaLnBrk="1" latinLnBrk="0" hangingPunct="1">
+        <a:defRPr sz="1800" kern="1200">
           <a:solidFill>
             <a:schemeClr val="tx1"/>
           </a:solidFill>
@@ -3058,8 +3058,8 @@
           <a:cs typeface="+mn-cs"/>
         </a:defRPr>
       </a:lvl7pPr>
-      <a:lvl8pPr marL="1600200" algn="l" defTabSz="228600" rtl="0" eaLnBrk="1" latinLnBrk="0" hangingPunct="1">
-        <a:defRPr sz="900" kern="1200">
+      <a:lvl8pPr marL="3200400" algn="l" defTabSz="457200" rtl="0" eaLnBrk="1" latinLnBrk="0" hangingPunct="1">
+        <a:defRPr sz="1800" kern="1200">
           <a:solidFill>
             <a:schemeClr val="tx1"/>
           </a:solidFill>
@@ -3068,8 +3068,8 @@
           <a:cs typeface="+mn-cs"/>
         </a:defRPr>
       </a:lvl8pPr>
-      <a:lvl9pPr marL="1828800" algn="l" defTabSz="228600" rtl="0" eaLnBrk="1" latinLnBrk="0" hangingPunct="1">
-        <a:defRPr sz="900" kern="1200">
+      <a:lvl9pPr marL="3657600" algn="l" defTabSz="457200" rtl="0" eaLnBrk="1" latinLnBrk="0" hangingPunct="1">
+        <a:defRPr sz="1800" kern="1200">
           <a:solidFill>
             <a:schemeClr val="tx1"/>
           </a:solidFill>
@@ -3122,8 +3122,8 @@
         </p:blipFill>
         <p:spPr>
           <a:xfrm rot="5400000">
-            <a:off x="7938" y="-7794"/>
-            <a:ext cx="2772321" cy="2743200"/>
+            <a:off x="15875" y="-15588"/>
+            <a:ext cx="5544642" cy="5486400"/>
           </a:xfrm>
           <a:prstGeom prst="rect">
             <a:avLst/>
@@ -3138,8 +3138,8 @@
         </p:nvSpPr>
         <p:spPr>
           <a:xfrm>
-            <a:off x="2754058" y="721188"/>
-            <a:ext cx="1562326" cy="1154162"/>
+            <a:off x="5508116" y="1442375"/>
+            <a:ext cx="3124651" cy="2308324"/>
           </a:xfrm>
           <a:prstGeom prst="rect">
             <a:avLst/>
@@ -3147,14 +3147,14 @@
           <a:noFill/>
         </p:spPr>
         <p:txBody>
-          <a:bodyPr wrap="square" lIns="45720" tIns="22860" rIns="45720" bIns="22860" rtlCol="0">
+          <a:bodyPr wrap="square" rtlCol="0">
             <a:spAutoFit/>
           </a:bodyPr>
           <a:lstStyle/>
           <a:p>
             <a:pPr algn="ctr"/>
             <a:r>
-              <a:rPr lang="en-US" sz="1200" dirty="0">
+              <a:rPr lang="en-US" sz="2400" dirty="0">
                 <a:latin typeface="Times New Roman"/>
                 <a:cs typeface="Times New Roman"/>
               </a:rPr>
@@ -3163,7 +3163,7 @@
           </a:p>
           <a:p>
             <a:pPr algn="ctr"/>
-            <a:endParaRPr lang="en-US" sz="1200" dirty="0">
+            <a:endParaRPr lang="en-US" sz="2400" dirty="0" smtClean="0">
               <a:latin typeface="Times New Roman"/>
               <a:cs typeface="Times New Roman"/>
             </a:endParaRPr>
@@ -3171,7 +3171,7 @@
           <a:p>
             <a:pPr algn="ctr"/>
             <a:r>
-              <a:rPr lang="en-US" sz="1200" dirty="0">
+              <a:rPr lang="en-US" sz="2400" dirty="0" smtClean="0">
                 <a:latin typeface="Times New Roman"/>
                 <a:cs typeface="Times New Roman"/>
               </a:rPr>
@@ -3181,14 +3181,14 @@
           <a:p>
             <a:pPr algn="ctr"/>
             <a:r>
-              <a:rPr lang="en-US" sz="1200" dirty="0">
+              <a:rPr lang="en-US" sz="2400" dirty="0">
                 <a:latin typeface="Times New Roman"/>
                 <a:cs typeface="Times New Roman"/>
               </a:rPr>
               <a:t>s</a:t>
             </a:r>
             <a:r>
-              <a:rPr lang="en-US" sz="1200" dirty="0">
+              <a:rPr lang="en-US" sz="2400" dirty="0" smtClean="0">
                 <a:latin typeface="Times New Roman"/>
                 <a:cs typeface="Times New Roman"/>
               </a:rPr>
@@ -3197,14 +3197,14 @@
           </a:p>
           <a:p>
             <a:pPr algn="ctr"/>
-            <a:endParaRPr lang="en-US" sz="1200" dirty="0">
+            <a:endParaRPr lang="en-US" sz="2400" dirty="0" smtClean="0">
               <a:latin typeface="Times New Roman"/>
               <a:cs typeface="Times New Roman"/>
             </a:endParaRPr>
           </a:p>
           <a:p>
             <a:pPr algn="ctr"/>
-            <a:endParaRPr lang="en-US" sz="1200" dirty="0">
+            <a:endParaRPr lang="en-US" sz="2400" dirty="0">
               <a:latin typeface="Times New Roman"/>
               <a:cs typeface="Times New Roman"/>
             </a:endParaRPr>
@@ -3219,8 +3219,8 @@
         </p:nvSpPr>
         <p:spPr>
           <a:xfrm>
-            <a:off x="675298" y="513438"/>
-            <a:ext cx="1424872" cy="415499"/>
+            <a:off x="1350596" y="1026876"/>
+            <a:ext cx="2849743" cy="830997"/>
           </a:xfrm>
           <a:prstGeom prst="rect">
             <a:avLst/>
@@ -3228,41 +3228,41 @@
           <a:noFill/>
         </p:spPr>
         <p:txBody>
-          <a:bodyPr wrap="square" lIns="45720" tIns="22860" rIns="45720" bIns="22860" rtlCol="0">
+          <a:bodyPr wrap="square" rtlCol="0">
             <a:spAutoFit/>
           </a:bodyPr>
           <a:lstStyle/>
           <a:p>
             <a:pPr algn="ctr"/>
             <a:r>
-              <a:rPr lang="en-US" sz="1200" dirty="0" err="1">
+              <a:rPr lang="en-US" sz="2400" dirty="0" err="1" smtClean="0">
                 <a:latin typeface="Times New Roman"/>
                 <a:cs typeface="Times New Roman"/>
               </a:rPr>
               <a:t>Kilobots</a:t>
             </a:r>
             <a:r>
-              <a:rPr lang="en-US" sz="1200" dirty="0">
+              <a:rPr lang="en-US" sz="2400" dirty="0" smtClean="0">
                 <a:latin typeface="Times New Roman"/>
                 <a:cs typeface="Times New Roman"/>
               </a:rPr>
               <a:t> with </a:t>
             </a:r>
             <a:r>
-              <a:rPr lang="en-US" sz="1200" dirty="0" err="1">
+              <a:rPr lang="en-US" sz="2400" dirty="0" err="1" smtClean="0">
                 <a:latin typeface="Times New Roman"/>
                 <a:cs typeface="Times New Roman"/>
               </a:rPr>
               <a:t>photophile</a:t>
             </a:r>
             <a:r>
-              <a:rPr lang="en-US" sz="1200" dirty="0">
+              <a:rPr lang="en-US" sz="2400" dirty="0" smtClean="0">
                 <a:latin typeface="Times New Roman"/>
                 <a:cs typeface="Times New Roman"/>
               </a:rPr>
               <a:t> behavior</a:t>
             </a:r>
-            <a:endParaRPr lang="en-US" sz="1200" dirty="0">
+            <a:endParaRPr lang="en-US" sz="2400" dirty="0">
               <a:latin typeface="Times New Roman"/>
               <a:cs typeface="Times New Roman"/>
             </a:endParaRPr>
@@ -3277,8 +3277,8 @@
         </p:nvGrpSpPr>
         <p:grpSpPr>
           <a:xfrm>
-            <a:off x="4118907" y="1205176"/>
-            <a:ext cx="429149" cy="281019"/>
+            <a:off x="8237813" y="2410351"/>
+            <a:ext cx="858298" cy="562038"/>
             <a:chOff x="8237813" y="2410351"/>
             <a:chExt cx="858298" cy="562038"/>
           </a:xfrm>
@@ -3991,8 +3991,8 @@
         </p:nvGrpSpPr>
         <p:grpSpPr>
           <a:xfrm rot="19547206">
-            <a:off x="4100390" y="101300"/>
-            <a:ext cx="429149" cy="281019"/>
+            <a:off x="8200780" y="202601"/>
+            <a:ext cx="858298" cy="562038"/>
             <a:chOff x="8058385" y="929759"/>
             <a:chExt cx="858298" cy="562038"/>
           </a:xfrm>
@@ -4685,8 +4685,8 @@
         </p:nvGrpSpPr>
         <p:grpSpPr>
           <a:xfrm rot="2196326">
-            <a:off x="4130260" y="2419795"/>
-            <a:ext cx="429149" cy="281019"/>
+            <a:off x="8260520" y="4839589"/>
+            <a:ext cx="858298" cy="562038"/>
             <a:chOff x="8058385" y="929759"/>
             <a:chExt cx="858298" cy="562038"/>
           </a:xfrm>
@@ -5379,8 +5379,8 @@
         </p:nvGrpSpPr>
         <p:grpSpPr>
           <a:xfrm>
-            <a:off x="4237533" y="1011824"/>
-            <a:ext cx="38768" cy="674140"/>
+            <a:off x="8475066" y="2023647"/>
+            <a:ext cx="77535" cy="1348280"/>
             <a:chOff x="8475066" y="2023647"/>
             <a:chExt cx="77535" cy="1348280"/>
           </a:xfrm>
@@ -5484,8 +5484,8 @@
         </p:nvGrpSpPr>
         <p:grpSpPr>
           <a:xfrm rot="18900000">
-            <a:off x="4226885" y="1032866"/>
-            <a:ext cx="38768" cy="674140"/>
+            <a:off x="8453769" y="2065731"/>
+            <a:ext cx="77535" cy="1348280"/>
             <a:chOff x="8475066" y="2023647"/>
             <a:chExt cx="77535" cy="1348280"/>
           </a:xfrm>
@@ -5589,8 +5589,8 @@
         </p:nvGrpSpPr>
         <p:grpSpPr>
           <a:xfrm rot="13500000">
-            <a:off x="4216812" y="1002132"/>
-            <a:ext cx="38768" cy="674140"/>
+            <a:off x="8433624" y="2004263"/>
+            <a:ext cx="77535" cy="1348280"/>
             <a:chOff x="8475066" y="2023647"/>
             <a:chExt cx="77535" cy="1348280"/>
           </a:xfrm>
@@ -5694,8 +5694,8 @@
         </p:nvSpPr>
         <p:spPr>
           <a:xfrm rot="16200000">
-            <a:off x="3959297" y="1273729"/>
-            <a:ext cx="38768" cy="159673"/>
+            <a:off x="7918594" y="2547458"/>
+            <a:ext cx="77535" cy="319345"/>
           </a:xfrm>
           <a:prstGeom prst="rect">
             <a:avLst/>
@@ -5723,7 +5723,7 @@
           </a:fontRef>
         </p:style>
         <p:txBody>
-          <a:bodyPr lIns="45720" tIns="22860" rIns="45720" bIns="22860" rtlCol="0" anchor="ctr"/>
+          <a:bodyPr rtlCol="0" anchor="ctr"/>
           <a:lstStyle/>
           <a:p>
             <a:pPr algn="ctr"/>
@@ -5739,10 +5739,10 @@
         </p:nvGrpSpPr>
         <p:grpSpPr>
           <a:xfrm>
-            <a:off x="2922115" y="1464619"/>
-            <a:ext cx="914333" cy="1435275"/>
+            <a:off x="5844229" y="2929238"/>
+            <a:ext cx="1828666" cy="2408802"/>
             <a:chOff x="5588966" y="2461323"/>
-            <a:chExt cx="2266729" cy="3828561"/>
+            <a:chExt cx="2266729" cy="3212710"/>
           </a:xfrm>
         </p:grpSpPr>
         <p:sp>
@@ -5753,8 +5753,8 @@
           </p:nvSpPr>
           <p:spPr>
             <a:xfrm>
-              <a:off x="6453257" y="5304700"/>
-              <a:ext cx="855351" cy="985184"/>
+              <a:off x="6453258" y="5304701"/>
+              <a:ext cx="855351" cy="369332"/>
             </a:xfrm>
             <a:prstGeom prst="rect">
               <a:avLst/>
@@ -5859,8 +5859,8 @@
         </p:nvSpPr>
         <p:spPr bwMode="auto">
           <a:xfrm>
-            <a:off x="2906957" y="1531213"/>
-            <a:ext cx="977116" cy="946044"/>
+            <a:off x="5813914" y="3062425"/>
+            <a:ext cx="1954231" cy="1892088"/>
           </a:xfrm>
           <a:prstGeom prst="ellipse">
             <a:avLst/>
@@ -5885,7 +5885,7 @@
           </a:extLst>
         </p:spPr>
         <p:txBody>
-          <a:bodyPr lIns="45720" tIns="22860" rIns="45720" bIns="22860"/>
+          <a:bodyPr/>
           <a:lstStyle/>
           <a:p>
             <a:endParaRPr lang="en-US">
@@ -5906,8 +5906,8 @@
         </p:nvCxnSpPr>
         <p:spPr bwMode="auto">
           <a:xfrm flipH="1">
-            <a:off x="2635250" y="1531213"/>
-            <a:ext cx="760265" cy="60040"/>
+            <a:off x="5270500" y="3062425"/>
+            <a:ext cx="1520530" cy="120080"/>
           </a:xfrm>
           <a:prstGeom prst="line">
             <a:avLst/>
@@ -5941,8 +5941,8 @@
         </p:nvCxnSpPr>
         <p:spPr bwMode="auto">
           <a:xfrm>
-            <a:off x="2579688" y="1685964"/>
-            <a:ext cx="470365" cy="652748"/>
+            <a:off x="5159375" y="3371927"/>
+            <a:ext cx="940730" cy="1305496"/>
           </a:xfrm>
           <a:prstGeom prst="line">
             <a:avLst/>
@@ -5973,8 +5973,8 @@
         </p:nvSpPr>
         <p:spPr>
           <a:xfrm>
-            <a:off x="3991644" y="2074032"/>
-            <a:ext cx="345024" cy="184666"/>
+            <a:off x="7983288" y="4148063"/>
+            <a:ext cx="690048" cy="276915"/>
           </a:xfrm>
           <a:prstGeom prst="rect">
             <a:avLst/>
@@ -5982,7 +5982,7 @@
           <a:noFill/>
         </p:spPr>
         <p:txBody>
-          <a:bodyPr wrap="square" lIns="45720" tIns="22860" rIns="45720" bIns="22860" rtlCol="0">
+          <a:bodyPr wrap="square" rtlCol="0">
             <a:spAutoFit/>
           </a:bodyPr>
           <a:lstStyle/>
@@ -6009,8 +6009,8 @@
         </p:nvCxnSpPr>
         <p:spPr>
           <a:xfrm>
-            <a:off x="3953877" y="1875350"/>
-            <a:ext cx="0" cy="584130"/>
+            <a:off x="7907754" y="3750699"/>
+            <a:ext cx="0" cy="1168260"/>
           </a:xfrm>
           <a:prstGeom prst="straightConnector1">
             <a:avLst/>
